--- a/docs/diagrams/LogicComponentCommandClassDiagram.pptx
+++ b/docs/diagrams/LogicComponentCommandClassDiagram.pptx
@@ -4,13 +4,10 @@
   <p:sldMasterIdLst>
     <p:sldMasterId id="2147483648" r:id="rId1"/>
   </p:sldMasterIdLst>
-  <p:notesMasterIdLst>
-    <p:notesMasterId r:id="rId3"/>
-  </p:notesMasterIdLst>
   <p:sldIdLst>
-    <p:sldId id="262" r:id="rId2"/>
+    <p:sldId id="260" r:id="rId2"/>
   </p:sldIdLst>
-  <p:sldSz cx="9144000" cy="6858000" type="screen4x3"/>
+  <p:sldSz cx="12192000" cy="6858000"/>
   <p:notesSz cx="6858000" cy="9144000"/>
   <p:defaultTextStyle>
     <a:defPPr>
@@ -110,12 +107,12 @@
   <p:extLst>
     <p:ext uri="{EFAFB233-063F-42B5-8137-9DF3F51BA10A}">
       <p15:sldGuideLst xmlns:p15="http://schemas.microsoft.com/office/powerpoint/2012/main">
-        <p15:guide id="1" orient="horz" pos="1488">
+        <p15:guide id="1" orient="horz" pos="2160" userDrawn="1">
           <p15:clr>
             <a:srgbClr val="A4A3A4"/>
           </p15:clr>
         </p15:guide>
-        <p15:guide id="2" pos="2880">
+        <p15:guide id="2" pos="3840" userDrawn="1">
           <p15:clr>
             <a:srgbClr val="A4A3A4"/>
           </p15:clr>
@@ -124,359 +121,6 @@
     </p:ext>
   </p:extLst>
 </p:presentation>
-</file>
-
-<file path=ppt/revisionInfo.xml><?xml version="1.0" encoding="utf-8"?>
-<p1510:revInfo xmlns:a="http://schemas.openxmlformats.org/drawingml/2006/main" xmlns:r="http://schemas.openxmlformats.org/officeDocument/2006/relationships" xmlns:p1510="http://schemas.microsoft.com/office/powerpoint/2015/10/main"/>
-</file>
-
-<file path=ppt/notesMasters/notesMaster1.xml><?xml version="1.0" encoding="utf-8"?>
-<p:notesMaster xmlns:a="http://schemas.openxmlformats.org/drawingml/2006/main" xmlns:r="http://schemas.openxmlformats.org/officeDocument/2006/relationships" xmlns:p="http://schemas.openxmlformats.org/presentationml/2006/main">
-  <p:cSld>
-    <p:bg>
-      <p:bgRef idx="1001">
-        <a:schemeClr val="bg1"/>
-      </p:bgRef>
-    </p:bg>
-    <p:spTree>
-      <p:nvGrpSpPr>
-        <p:cNvPr id="1" name=""/>
-        <p:cNvGrpSpPr/>
-        <p:nvPr/>
-      </p:nvGrpSpPr>
-      <p:grpSpPr>
-        <a:xfrm>
-          <a:off x="0" y="0"/>
-          <a:ext cx="0" cy="0"/>
-          <a:chOff x="0" y="0"/>
-          <a:chExt cx="0" cy="0"/>
-        </a:xfrm>
-      </p:grpSpPr>
-      <p:sp>
-        <p:nvSpPr>
-          <p:cNvPr id="2" name="Header Placeholder 1"/>
-          <p:cNvSpPr>
-            <a:spLocks noGrp="1"/>
-          </p:cNvSpPr>
-          <p:nvPr>
-            <p:ph type="hdr" sz="quarter"/>
-          </p:nvPr>
-        </p:nvSpPr>
-        <p:spPr>
-          <a:xfrm>
-            <a:off x="0" y="0"/>
-            <a:ext cx="2971800" cy="457200"/>
-          </a:xfrm>
-          <a:prstGeom prst="rect">
-            <a:avLst/>
-          </a:prstGeom>
-        </p:spPr>
-        <p:txBody>
-          <a:bodyPr vert="horz" lIns="91440" tIns="45720" rIns="91440" bIns="45720" rtlCol="0"/>
-          <a:lstStyle>
-            <a:lvl1pPr algn="l">
-              <a:defRPr sz="1200"/>
-            </a:lvl1pPr>
-          </a:lstStyle>
-          <a:p>
-            <a:endParaRPr lang="en-US"/>
-          </a:p>
-        </p:txBody>
-      </p:sp>
-      <p:sp>
-        <p:nvSpPr>
-          <p:cNvPr id="3" name="Date Placeholder 2"/>
-          <p:cNvSpPr>
-            <a:spLocks noGrp="1"/>
-          </p:cNvSpPr>
-          <p:nvPr>
-            <p:ph type="dt" idx="1"/>
-          </p:nvPr>
-        </p:nvSpPr>
-        <p:spPr>
-          <a:xfrm>
-            <a:off x="3884613" y="0"/>
-            <a:ext cx="2971800" cy="457200"/>
-          </a:xfrm>
-          <a:prstGeom prst="rect">
-            <a:avLst/>
-          </a:prstGeom>
-        </p:spPr>
-        <p:txBody>
-          <a:bodyPr vert="horz" lIns="91440" tIns="45720" rIns="91440" bIns="45720" rtlCol="0"/>
-          <a:lstStyle>
-            <a:lvl1pPr algn="r">
-              <a:defRPr sz="1200"/>
-            </a:lvl1pPr>
-          </a:lstStyle>
-          <a:p>
-            <a:fld id="{F5CC4B3F-88C1-4FFA-B1B6-F41C21DC6924}" type="datetimeFigureOut">
-              <a:rPr lang="en-US" smtClean="0"/>
-              <a:t>7/21/17</a:t>
-            </a:fld>
-            <a:endParaRPr lang="en-US"/>
-          </a:p>
-        </p:txBody>
-      </p:sp>
-      <p:sp>
-        <p:nvSpPr>
-          <p:cNvPr id="4" name="Slide Image Placeholder 3"/>
-          <p:cNvSpPr>
-            <a:spLocks noGrp="1" noRot="1" noChangeAspect="1"/>
-          </p:cNvSpPr>
-          <p:nvPr>
-            <p:ph type="sldImg" idx="2"/>
-          </p:nvPr>
-        </p:nvSpPr>
-        <p:spPr>
-          <a:xfrm>
-            <a:off x="1143000" y="685800"/>
-            <a:ext cx="4572000" cy="3429000"/>
-          </a:xfrm>
-          <a:prstGeom prst="rect">
-            <a:avLst/>
-          </a:prstGeom>
-          <a:noFill/>
-          <a:ln w="12700">
-            <a:solidFill>
-              <a:prstClr val="black"/>
-            </a:solidFill>
-          </a:ln>
-        </p:spPr>
-        <p:txBody>
-          <a:bodyPr vert="horz" lIns="91440" tIns="45720" rIns="91440" bIns="45720" rtlCol="0" anchor="ctr"/>
-          <a:lstStyle/>
-          <a:p>
-            <a:endParaRPr lang="en-US"/>
-          </a:p>
-        </p:txBody>
-      </p:sp>
-      <p:sp>
-        <p:nvSpPr>
-          <p:cNvPr id="5" name="Notes Placeholder 4"/>
-          <p:cNvSpPr>
-            <a:spLocks noGrp="1"/>
-          </p:cNvSpPr>
-          <p:nvPr>
-            <p:ph type="body" sz="quarter" idx="3"/>
-          </p:nvPr>
-        </p:nvSpPr>
-        <p:spPr>
-          <a:xfrm>
-            <a:off x="685800" y="4343400"/>
-            <a:ext cx="5486400" cy="4114800"/>
-          </a:xfrm>
-          <a:prstGeom prst="rect">
-            <a:avLst/>
-          </a:prstGeom>
-        </p:spPr>
-        <p:txBody>
-          <a:bodyPr vert="horz" lIns="91440" tIns="45720" rIns="91440" bIns="45720" rtlCol="0"/>
-          <a:lstStyle/>
-          <a:p>
-            <a:pPr lvl="0"/>
-            <a:r>
-              <a:rPr lang="en-US"/>
-              <a:t>Click to edit Master text styles</a:t>
-            </a:r>
-          </a:p>
-          <a:p>
-            <a:pPr lvl="1"/>
-            <a:r>
-              <a:rPr lang="en-US"/>
-              <a:t>Second level</a:t>
-            </a:r>
-          </a:p>
-          <a:p>
-            <a:pPr lvl="2"/>
-            <a:r>
-              <a:rPr lang="en-US"/>
-              <a:t>Third level</a:t>
-            </a:r>
-          </a:p>
-          <a:p>
-            <a:pPr lvl="3"/>
-            <a:r>
-              <a:rPr lang="en-US"/>
-              <a:t>Fourth level</a:t>
-            </a:r>
-          </a:p>
-          <a:p>
-            <a:pPr lvl="4"/>
-            <a:r>
-              <a:rPr lang="en-US"/>
-              <a:t>Fifth level</a:t>
-            </a:r>
-          </a:p>
-        </p:txBody>
-      </p:sp>
-      <p:sp>
-        <p:nvSpPr>
-          <p:cNvPr id="6" name="Footer Placeholder 5"/>
-          <p:cNvSpPr>
-            <a:spLocks noGrp="1"/>
-          </p:cNvSpPr>
-          <p:nvPr>
-            <p:ph type="ftr" sz="quarter" idx="4"/>
-          </p:nvPr>
-        </p:nvSpPr>
-        <p:spPr>
-          <a:xfrm>
-            <a:off x="0" y="8685213"/>
-            <a:ext cx="2971800" cy="457200"/>
-          </a:xfrm>
-          <a:prstGeom prst="rect">
-            <a:avLst/>
-          </a:prstGeom>
-        </p:spPr>
-        <p:txBody>
-          <a:bodyPr vert="horz" lIns="91440" tIns="45720" rIns="91440" bIns="45720" rtlCol="0" anchor="b"/>
-          <a:lstStyle>
-            <a:lvl1pPr algn="l">
-              <a:defRPr sz="1200"/>
-            </a:lvl1pPr>
-          </a:lstStyle>
-          <a:p>
-            <a:endParaRPr lang="en-US"/>
-          </a:p>
-        </p:txBody>
-      </p:sp>
-      <p:sp>
-        <p:nvSpPr>
-          <p:cNvPr id="7" name="Slide Number Placeholder 6"/>
-          <p:cNvSpPr>
-            <a:spLocks noGrp="1"/>
-          </p:cNvSpPr>
-          <p:nvPr>
-            <p:ph type="sldNum" sz="quarter" idx="5"/>
-          </p:nvPr>
-        </p:nvSpPr>
-        <p:spPr>
-          <a:xfrm>
-            <a:off x="3884613" y="8685213"/>
-            <a:ext cx="2971800" cy="457200"/>
-          </a:xfrm>
-          <a:prstGeom prst="rect">
-            <a:avLst/>
-          </a:prstGeom>
-        </p:spPr>
-        <p:txBody>
-          <a:bodyPr vert="horz" lIns="91440" tIns="45720" rIns="91440" bIns="45720" rtlCol="0" anchor="b"/>
-          <a:lstStyle>
-            <a:lvl1pPr algn="r">
-              <a:defRPr sz="1200"/>
-            </a:lvl1pPr>
-          </a:lstStyle>
-          <a:p>
-            <a:fld id="{5A7AB025-77E3-4BD1-A2FD-B3183DBA47A3}" type="slidenum">
-              <a:rPr lang="en-US" smtClean="0"/>
-              <a:t>‹#›</a:t>
-            </a:fld>
-            <a:endParaRPr lang="en-US"/>
-          </a:p>
-        </p:txBody>
-      </p:sp>
-    </p:spTree>
-    <p:extLst>
-      <p:ext uri="{BB962C8B-B14F-4D97-AF65-F5344CB8AC3E}">
-        <p14:creationId xmlns:p14="http://schemas.microsoft.com/office/powerpoint/2010/main" val="2023976206"/>
-      </p:ext>
-    </p:extLst>
-  </p:cSld>
-  <p:clrMap bg1="lt1" tx1="dk1" bg2="lt2" tx2="dk2" accent1="accent1" accent2="accent2" accent3="accent3" accent4="accent4" accent5="accent5" accent6="accent6" hlink="hlink" folHlink="folHlink"/>
-  <p:notesStyle>
-    <a:lvl1pPr marL="0" algn="l" defTabSz="914400" rtl="0" eaLnBrk="1" latinLnBrk="0" hangingPunct="1">
-      <a:defRPr sz="1200" kern="1200">
-        <a:solidFill>
-          <a:schemeClr val="tx1"/>
-        </a:solidFill>
-        <a:latin typeface="+mn-lt"/>
-        <a:ea typeface="+mn-ea"/>
-        <a:cs typeface="+mn-cs"/>
-      </a:defRPr>
-    </a:lvl1pPr>
-    <a:lvl2pPr marL="457200" algn="l" defTabSz="914400" rtl="0" eaLnBrk="1" latinLnBrk="0" hangingPunct="1">
-      <a:defRPr sz="1200" kern="1200">
-        <a:solidFill>
-          <a:schemeClr val="tx1"/>
-        </a:solidFill>
-        <a:latin typeface="+mn-lt"/>
-        <a:ea typeface="+mn-ea"/>
-        <a:cs typeface="+mn-cs"/>
-      </a:defRPr>
-    </a:lvl2pPr>
-    <a:lvl3pPr marL="914400" algn="l" defTabSz="914400" rtl="0" eaLnBrk="1" latinLnBrk="0" hangingPunct="1">
-      <a:defRPr sz="1200" kern="1200">
-        <a:solidFill>
-          <a:schemeClr val="tx1"/>
-        </a:solidFill>
-        <a:latin typeface="+mn-lt"/>
-        <a:ea typeface="+mn-ea"/>
-        <a:cs typeface="+mn-cs"/>
-      </a:defRPr>
-    </a:lvl3pPr>
-    <a:lvl4pPr marL="1371600" algn="l" defTabSz="914400" rtl="0" eaLnBrk="1" latinLnBrk="0" hangingPunct="1">
-      <a:defRPr sz="1200" kern="1200">
-        <a:solidFill>
-          <a:schemeClr val="tx1"/>
-        </a:solidFill>
-        <a:latin typeface="+mn-lt"/>
-        <a:ea typeface="+mn-ea"/>
-        <a:cs typeface="+mn-cs"/>
-      </a:defRPr>
-    </a:lvl4pPr>
-    <a:lvl5pPr marL="1828800" algn="l" defTabSz="914400" rtl="0" eaLnBrk="1" latinLnBrk="0" hangingPunct="1">
-      <a:defRPr sz="1200" kern="1200">
-        <a:solidFill>
-          <a:schemeClr val="tx1"/>
-        </a:solidFill>
-        <a:latin typeface="+mn-lt"/>
-        <a:ea typeface="+mn-ea"/>
-        <a:cs typeface="+mn-cs"/>
-      </a:defRPr>
-    </a:lvl5pPr>
-    <a:lvl6pPr marL="2286000" algn="l" defTabSz="914400" rtl="0" eaLnBrk="1" latinLnBrk="0" hangingPunct="1">
-      <a:defRPr sz="1200" kern="1200">
-        <a:solidFill>
-          <a:schemeClr val="tx1"/>
-        </a:solidFill>
-        <a:latin typeface="+mn-lt"/>
-        <a:ea typeface="+mn-ea"/>
-        <a:cs typeface="+mn-cs"/>
-      </a:defRPr>
-    </a:lvl6pPr>
-    <a:lvl7pPr marL="2743200" algn="l" defTabSz="914400" rtl="0" eaLnBrk="1" latinLnBrk="0" hangingPunct="1">
-      <a:defRPr sz="1200" kern="1200">
-        <a:solidFill>
-          <a:schemeClr val="tx1"/>
-        </a:solidFill>
-        <a:latin typeface="+mn-lt"/>
-        <a:ea typeface="+mn-ea"/>
-        <a:cs typeface="+mn-cs"/>
-      </a:defRPr>
-    </a:lvl7pPr>
-    <a:lvl8pPr marL="3200400" algn="l" defTabSz="914400" rtl="0" eaLnBrk="1" latinLnBrk="0" hangingPunct="1">
-      <a:defRPr sz="1200" kern="1200">
-        <a:solidFill>
-          <a:schemeClr val="tx1"/>
-        </a:solidFill>
-        <a:latin typeface="+mn-lt"/>
-        <a:ea typeface="+mn-ea"/>
-        <a:cs typeface="+mn-cs"/>
-      </a:defRPr>
-    </a:lvl8pPr>
-    <a:lvl9pPr marL="3657600" algn="l" defTabSz="914400" rtl="0" eaLnBrk="1" latinLnBrk="0" hangingPunct="1">
-      <a:defRPr sz="1200" kern="1200">
-        <a:solidFill>
-          <a:schemeClr val="tx1"/>
-        </a:solidFill>
-        <a:latin typeface="+mn-lt"/>
-        <a:ea typeface="+mn-ea"/>
-        <a:cs typeface="+mn-cs"/>
-      </a:defRPr>
-    </a:lvl9pPr>
-  </p:notesStyle>
-</p:notesMaster>
 </file>
 
 <file path=ppt/slideLayouts/slideLayout1.xml><?xml version="1.0" encoding="utf-8"?>
@@ -498,7 +142,13 @@
       </p:grpSpPr>
       <p:sp>
         <p:nvSpPr>
-          <p:cNvPr id="2" name="Title 1"/>
+          <p:cNvPr id="2" name="Title 1">
+            <a:extLst>
+              <a:ext uri="{FF2B5EF4-FFF2-40B4-BE49-F238E27FC236}">
+                <a16:creationId xmlns:a16="http://schemas.microsoft.com/office/drawing/2014/main" id="{8ED1B108-2BAA-461B-A63F-8FD948C99714}"/>
+              </a:ext>
+            </a:extLst>
+          </p:cNvPr>
           <p:cNvSpPr>
             <a:spLocks noGrp="1"/>
           </p:cNvSpPr>
@@ -508,24 +158,35 @@
         </p:nvSpPr>
         <p:spPr>
           <a:xfrm>
-            <a:off x="685800" y="2130425"/>
-            <a:ext cx="7772400" cy="1470025"/>
-          </a:xfrm>
-        </p:spPr>
-        <p:txBody>
-          <a:bodyPr/>
-          <a:lstStyle/>
+            <a:off x="1524000" y="1122363"/>
+            <a:ext cx="9144000" cy="2387600"/>
+          </a:xfrm>
+        </p:spPr>
+        <p:txBody>
+          <a:bodyPr anchor="b"/>
+          <a:lstStyle>
+            <a:lvl1pPr algn="ctr">
+              <a:defRPr sz="6000"/>
+            </a:lvl1pPr>
+          </a:lstStyle>
           <a:p>
             <a:r>
               <a:rPr lang="en-US"/>
               <a:t>Click to edit Master title style</a:t>
             </a:r>
-          </a:p>
-        </p:txBody>
-      </p:sp>
-      <p:sp>
-        <p:nvSpPr>
-          <p:cNvPr id="3" name="Subtitle 2"/>
+            <a:endParaRPr lang="en-SG"/>
+          </a:p>
+        </p:txBody>
+      </p:sp>
+      <p:sp>
+        <p:nvSpPr>
+          <p:cNvPr id="3" name="Subtitle 2">
+            <a:extLst>
+              <a:ext uri="{FF2B5EF4-FFF2-40B4-BE49-F238E27FC236}">
+                <a16:creationId xmlns:a16="http://schemas.microsoft.com/office/drawing/2014/main" id="{3433CF85-C2E6-4130-BDE0-022AD787B942}"/>
+              </a:ext>
+            </a:extLst>
+          </p:cNvPr>
           <p:cNvSpPr>
             <a:spLocks noGrp="1"/>
           </p:cNvSpPr>
@@ -535,8 +196,8 @@
         </p:nvSpPr>
         <p:spPr>
           <a:xfrm>
-            <a:off x="1371600" y="3886200"/>
-            <a:ext cx="6400800" cy="1752600"/>
+            <a:off x="1524000" y="3602038"/>
+            <a:ext cx="9144000" cy="1655762"/>
           </a:xfrm>
         </p:spPr>
         <p:txBody>
@@ -544,93 +205,39 @@
           <a:lstStyle>
             <a:lvl1pPr marL="0" indent="0" algn="ctr">
               <a:buNone/>
-              <a:defRPr>
-                <a:solidFill>
-                  <a:schemeClr val="tx1">
-                    <a:tint val="75000"/>
-                  </a:schemeClr>
-                </a:solidFill>
-              </a:defRPr>
+              <a:defRPr sz="2400"/>
             </a:lvl1pPr>
             <a:lvl2pPr marL="457200" indent="0" algn="ctr">
               <a:buNone/>
-              <a:defRPr>
-                <a:solidFill>
-                  <a:schemeClr val="tx1">
-                    <a:tint val="75000"/>
-                  </a:schemeClr>
-                </a:solidFill>
-              </a:defRPr>
+              <a:defRPr sz="2000"/>
             </a:lvl2pPr>
             <a:lvl3pPr marL="914400" indent="0" algn="ctr">
               <a:buNone/>
-              <a:defRPr>
-                <a:solidFill>
-                  <a:schemeClr val="tx1">
-                    <a:tint val="75000"/>
-                  </a:schemeClr>
-                </a:solidFill>
-              </a:defRPr>
+              <a:defRPr sz="1800"/>
             </a:lvl3pPr>
             <a:lvl4pPr marL="1371600" indent="0" algn="ctr">
               <a:buNone/>
-              <a:defRPr>
-                <a:solidFill>
-                  <a:schemeClr val="tx1">
-                    <a:tint val="75000"/>
-                  </a:schemeClr>
-                </a:solidFill>
-              </a:defRPr>
+              <a:defRPr sz="1600"/>
             </a:lvl4pPr>
             <a:lvl5pPr marL="1828800" indent="0" algn="ctr">
               <a:buNone/>
-              <a:defRPr>
-                <a:solidFill>
-                  <a:schemeClr val="tx1">
-                    <a:tint val="75000"/>
-                  </a:schemeClr>
-                </a:solidFill>
-              </a:defRPr>
+              <a:defRPr sz="1600"/>
             </a:lvl5pPr>
             <a:lvl6pPr marL="2286000" indent="0" algn="ctr">
               <a:buNone/>
-              <a:defRPr>
-                <a:solidFill>
-                  <a:schemeClr val="tx1">
-                    <a:tint val="75000"/>
-                  </a:schemeClr>
-                </a:solidFill>
-              </a:defRPr>
+              <a:defRPr sz="1600"/>
             </a:lvl6pPr>
             <a:lvl7pPr marL="2743200" indent="0" algn="ctr">
               <a:buNone/>
-              <a:defRPr>
-                <a:solidFill>
-                  <a:schemeClr val="tx1">
-                    <a:tint val="75000"/>
-                  </a:schemeClr>
-                </a:solidFill>
-              </a:defRPr>
+              <a:defRPr sz="1600"/>
             </a:lvl7pPr>
             <a:lvl8pPr marL="3200400" indent="0" algn="ctr">
               <a:buNone/>
-              <a:defRPr>
-                <a:solidFill>
-                  <a:schemeClr val="tx1">
-                    <a:tint val="75000"/>
-                  </a:schemeClr>
-                </a:solidFill>
-              </a:defRPr>
+              <a:defRPr sz="1600"/>
             </a:lvl8pPr>
             <a:lvl9pPr marL="3657600" indent="0" algn="ctr">
               <a:buNone/>
-              <a:defRPr>
-                <a:solidFill>
-                  <a:schemeClr val="tx1">
-                    <a:tint val="75000"/>
-                  </a:schemeClr>
-                </a:solidFill>
-              </a:defRPr>
+              <a:defRPr sz="1600"/>
             </a:lvl9pPr>
           </a:lstStyle>
           <a:p>
@@ -638,12 +245,19 @@
               <a:rPr lang="en-US"/>
               <a:t>Click to edit Master subtitle style</a:t>
             </a:r>
-          </a:p>
-        </p:txBody>
-      </p:sp>
-      <p:sp>
-        <p:nvSpPr>
-          <p:cNvPr id="4" name="Date Placeholder 3"/>
+            <a:endParaRPr lang="en-SG"/>
+          </a:p>
+        </p:txBody>
+      </p:sp>
+      <p:sp>
+        <p:nvSpPr>
+          <p:cNvPr id="4" name="Date Placeholder 3">
+            <a:extLst>
+              <a:ext uri="{FF2B5EF4-FFF2-40B4-BE49-F238E27FC236}">
+                <a16:creationId xmlns:a16="http://schemas.microsoft.com/office/drawing/2014/main" id="{84886F56-D122-4FC1-90E2-84C47FDFFBC5}"/>
+              </a:ext>
+            </a:extLst>
+          </p:cNvPr>
           <p:cNvSpPr>
             <a:spLocks noGrp="1"/>
           </p:cNvSpPr>
@@ -656,17 +270,23 @@
           <a:bodyPr/>
           <a:lstStyle/>
           <a:p>
-            <a:fld id="{78C97017-6FC3-485B-9764-EAC9E56C1D49}" type="datetimeFigureOut">
-              <a:rPr lang="en-US" smtClean="0"/>
-              <a:t>7/21/17</a:t>
+            <a:fld id="{5A3BE7D4-C6FA-462D-8EFC-CA4C002ED0A4}" type="datetimeFigureOut">
+              <a:rPr lang="en-SG" smtClean="0"/>
+              <a:t>14/4/2018</a:t>
             </a:fld>
-            <a:endParaRPr lang="en-US"/>
-          </a:p>
-        </p:txBody>
-      </p:sp>
-      <p:sp>
-        <p:nvSpPr>
-          <p:cNvPr id="5" name="Footer Placeholder 4"/>
+            <a:endParaRPr lang="en-SG"/>
+          </a:p>
+        </p:txBody>
+      </p:sp>
+      <p:sp>
+        <p:nvSpPr>
+          <p:cNvPr id="5" name="Footer Placeholder 4">
+            <a:extLst>
+              <a:ext uri="{FF2B5EF4-FFF2-40B4-BE49-F238E27FC236}">
+                <a16:creationId xmlns:a16="http://schemas.microsoft.com/office/drawing/2014/main" id="{7E456179-4657-4459-86FF-FDE11F27440D}"/>
+              </a:ext>
+            </a:extLst>
+          </p:cNvPr>
           <p:cNvSpPr>
             <a:spLocks noGrp="1"/>
           </p:cNvSpPr>
@@ -679,13 +299,19 @@
           <a:bodyPr/>
           <a:lstStyle/>
           <a:p>
-            <a:endParaRPr lang="en-US"/>
-          </a:p>
-        </p:txBody>
-      </p:sp>
-      <p:sp>
-        <p:nvSpPr>
-          <p:cNvPr id="6" name="Slide Number Placeholder 5"/>
+            <a:endParaRPr lang="en-SG"/>
+          </a:p>
+        </p:txBody>
+      </p:sp>
+      <p:sp>
+        <p:nvSpPr>
+          <p:cNvPr id="6" name="Slide Number Placeholder 5">
+            <a:extLst>
+              <a:ext uri="{FF2B5EF4-FFF2-40B4-BE49-F238E27FC236}">
+                <a16:creationId xmlns:a16="http://schemas.microsoft.com/office/drawing/2014/main" id="{3E897FDE-1CF9-4E04-8E0E-30EEFCA4631A}"/>
+              </a:ext>
+            </a:extLst>
+          </p:cNvPr>
           <p:cNvSpPr>
             <a:spLocks noGrp="1"/>
           </p:cNvSpPr>
@@ -698,18 +324,18 @@
           <a:bodyPr/>
           <a:lstStyle/>
           <a:p>
-            <a:fld id="{FB34683C-161B-4520-BF45-B179E228CF2A}" type="slidenum">
-              <a:rPr lang="en-US" smtClean="0"/>
+            <a:fld id="{4210DC9C-588E-433F-A25E-848E002F5F58}" type="slidenum">
+              <a:rPr lang="en-SG" smtClean="0"/>
               <a:t>‹#›</a:t>
             </a:fld>
-            <a:endParaRPr lang="en-US"/>
+            <a:endParaRPr lang="en-SG"/>
           </a:p>
         </p:txBody>
       </p:sp>
     </p:spTree>
     <p:extLst>
       <p:ext uri="{BB962C8B-B14F-4D97-AF65-F5344CB8AC3E}">
-        <p14:creationId xmlns:p14="http://schemas.microsoft.com/office/powerpoint/2010/main" val="3246593157"/>
+        <p14:creationId xmlns:p14="http://schemas.microsoft.com/office/powerpoint/2010/main" val="1505711320"/>
       </p:ext>
     </p:extLst>
   </p:cSld>
@@ -738,7 +364,13 @@
       </p:grpSpPr>
       <p:sp>
         <p:nvSpPr>
-          <p:cNvPr id="2" name="Title 1"/>
+          <p:cNvPr id="2" name="Title 1">
+            <a:extLst>
+              <a:ext uri="{FF2B5EF4-FFF2-40B4-BE49-F238E27FC236}">
+                <a16:creationId xmlns:a16="http://schemas.microsoft.com/office/drawing/2014/main" id="{8DA525BD-B962-4E39-8D6A-C161EF6E1AA3}"/>
+              </a:ext>
+            </a:extLst>
+          </p:cNvPr>
           <p:cNvSpPr>
             <a:spLocks noGrp="1"/>
           </p:cNvSpPr>
@@ -755,12 +387,19 @@
               <a:rPr lang="en-US"/>
               <a:t>Click to edit Master title style</a:t>
             </a:r>
-          </a:p>
-        </p:txBody>
-      </p:sp>
-      <p:sp>
-        <p:nvSpPr>
-          <p:cNvPr id="3" name="Vertical Text Placeholder 2"/>
+            <a:endParaRPr lang="en-SG"/>
+          </a:p>
+        </p:txBody>
+      </p:sp>
+      <p:sp>
+        <p:nvSpPr>
+          <p:cNvPr id="3" name="Vertical Text Placeholder 2">
+            <a:extLst>
+              <a:ext uri="{FF2B5EF4-FFF2-40B4-BE49-F238E27FC236}">
+                <a16:creationId xmlns:a16="http://schemas.microsoft.com/office/drawing/2014/main" id="{CA1BCBEE-F424-4383-9EE5-CA62FDF4DBA0}"/>
+              </a:ext>
+            </a:extLst>
+          </p:cNvPr>
           <p:cNvSpPr>
             <a:spLocks noGrp="1"/>
           </p:cNvSpPr>
@@ -776,7 +415,7 @@
             <a:pPr lvl="0"/>
             <a:r>
               <a:rPr lang="en-US"/>
-              <a:t>Click to edit Master text styles</a:t>
+              <a:t>Edit Master text styles</a:t>
             </a:r>
           </a:p>
           <a:p>
@@ -806,12 +445,19 @@
               <a:rPr lang="en-US"/>
               <a:t>Fifth level</a:t>
             </a:r>
-          </a:p>
-        </p:txBody>
-      </p:sp>
-      <p:sp>
-        <p:nvSpPr>
-          <p:cNvPr id="4" name="Date Placeholder 3"/>
+            <a:endParaRPr lang="en-SG"/>
+          </a:p>
+        </p:txBody>
+      </p:sp>
+      <p:sp>
+        <p:nvSpPr>
+          <p:cNvPr id="4" name="Date Placeholder 3">
+            <a:extLst>
+              <a:ext uri="{FF2B5EF4-FFF2-40B4-BE49-F238E27FC236}">
+                <a16:creationId xmlns:a16="http://schemas.microsoft.com/office/drawing/2014/main" id="{C8805F31-9DF4-44FD-B2B3-7DC29573B3C3}"/>
+              </a:ext>
+            </a:extLst>
+          </p:cNvPr>
           <p:cNvSpPr>
             <a:spLocks noGrp="1"/>
           </p:cNvSpPr>
@@ -824,17 +470,23 @@
           <a:bodyPr/>
           <a:lstStyle/>
           <a:p>
-            <a:fld id="{78C97017-6FC3-485B-9764-EAC9E56C1D49}" type="datetimeFigureOut">
-              <a:rPr lang="en-US" smtClean="0"/>
-              <a:t>7/21/17</a:t>
+            <a:fld id="{5A3BE7D4-C6FA-462D-8EFC-CA4C002ED0A4}" type="datetimeFigureOut">
+              <a:rPr lang="en-SG" smtClean="0"/>
+              <a:t>14/4/2018</a:t>
             </a:fld>
-            <a:endParaRPr lang="en-US"/>
-          </a:p>
-        </p:txBody>
-      </p:sp>
-      <p:sp>
-        <p:nvSpPr>
-          <p:cNvPr id="5" name="Footer Placeholder 4"/>
+            <a:endParaRPr lang="en-SG"/>
+          </a:p>
+        </p:txBody>
+      </p:sp>
+      <p:sp>
+        <p:nvSpPr>
+          <p:cNvPr id="5" name="Footer Placeholder 4">
+            <a:extLst>
+              <a:ext uri="{FF2B5EF4-FFF2-40B4-BE49-F238E27FC236}">
+                <a16:creationId xmlns:a16="http://schemas.microsoft.com/office/drawing/2014/main" id="{B19565D5-43A1-4C64-A0BF-81E1CF0BBF1E}"/>
+              </a:ext>
+            </a:extLst>
+          </p:cNvPr>
           <p:cNvSpPr>
             <a:spLocks noGrp="1"/>
           </p:cNvSpPr>
@@ -847,13 +499,19 @@
           <a:bodyPr/>
           <a:lstStyle/>
           <a:p>
-            <a:endParaRPr lang="en-US"/>
-          </a:p>
-        </p:txBody>
-      </p:sp>
-      <p:sp>
-        <p:nvSpPr>
-          <p:cNvPr id="6" name="Slide Number Placeholder 5"/>
+            <a:endParaRPr lang="en-SG"/>
+          </a:p>
+        </p:txBody>
+      </p:sp>
+      <p:sp>
+        <p:nvSpPr>
+          <p:cNvPr id="6" name="Slide Number Placeholder 5">
+            <a:extLst>
+              <a:ext uri="{FF2B5EF4-FFF2-40B4-BE49-F238E27FC236}">
+                <a16:creationId xmlns:a16="http://schemas.microsoft.com/office/drawing/2014/main" id="{97F81C9A-31EA-453E-8FDB-2111FC780A59}"/>
+              </a:ext>
+            </a:extLst>
+          </p:cNvPr>
           <p:cNvSpPr>
             <a:spLocks noGrp="1"/>
           </p:cNvSpPr>
@@ -866,18 +524,18 @@
           <a:bodyPr/>
           <a:lstStyle/>
           <a:p>
-            <a:fld id="{FB34683C-161B-4520-BF45-B179E228CF2A}" type="slidenum">
-              <a:rPr lang="en-US" smtClean="0"/>
+            <a:fld id="{4210DC9C-588E-433F-A25E-848E002F5F58}" type="slidenum">
+              <a:rPr lang="en-SG" smtClean="0"/>
               <a:t>‹#›</a:t>
             </a:fld>
-            <a:endParaRPr lang="en-US"/>
+            <a:endParaRPr lang="en-SG"/>
           </a:p>
         </p:txBody>
       </p:sp>
     </p:spTree>
     <p:extLst>
       <p:ext uri="{BB962C8B-B14F-4D97-AF65-F5344CB8AC3E}">
-        <p14:creationId xmlns:p14="http://schemas.microsoft.com/office/powerpoint/2010/main" val="2707025021"/>
+        <p14:creationId xmlns:p14="http://schemas.microsoft.com/office/powerpoint/2010/main" val="2749975105"/>
       </p:ext>
     </p:extLst>
   </p:cSld>
@@ -906,7 +564,13 @@
       </p:grpSpPr>
       <p:sp>
         <p:nvSpPr>
-          <p:cNvPr id="2" name="Vertical Title 1"/>
+          <p:cNvPr id="2" name="Vertical Title 1">
+            <a:extLst>
+              <a:ext uri="{FF2B5EF4-FFF2-40B4-BE49-F238E27FC236}">
+                <a16:creationId xmlns:a16="http://schemas.microsoft.com/office/drawing/2014/main" id="{55AECB01-3FFD-4CB6-AF00-E2466639D80B}"/>
+              </a:ext>
+            </a:extLst>
+          </p:cNvPr>
           <p:cNvSpPr>
             <a:spLocks noGrp="1"/>
           </p:cNvSpPr>
@@ -916,8 +580,8 @@
         </p:nvSpPr>
         <p:spPr>
           <a:xfrm>
-            <a:off x="6629400" y="274638"/>
-            <a:ext cx="2057400" cy="5851525"/>
+            <a:off x="8724900" y="365125"/>
+            <a:ext cx="2628900" cy="5811838"/>
           </a:xfrm>
         </p:spPr>
         <p:txBody>
@@ -928,12 +592,19 @@
               <a:rPr lang="en-US"/>
               <a:t>Click to edit Master title style</a:t>
             </a:r>
-          </a:p>
-        </p:txBody>
-      </p:sp>
-      <p:sp>
-        <p:nvSpPr>
-          <p:cNvPr id="3" name="Vertical Text Placeholder 2"/>
+            <a:endParaRPr lang="en-SG"/>
+          </a:p>
+        </p:txBody>
+      </p:sp>
+      <p:sp>
+        <p:nvSpPr>
+          <p:cNvPr id="3" name="Vertical Text Placeholder 2">
+            <a:extLst>
+              <a:ext uri="{FF2B5EF4-FFF2-40B4-BE49-F238E27FC236}">
+                <a16:creationId xmlns:a16="http://schemas.microsoft.com/office/drawing/2014/main" id="{55BDA8E2-F3D5-427C-A538-A21376FD8C68}"/>
+              </a:ext>
+            </a:extLst>
+          </p:cNvPr>
           <p:cNvSpPr>
             <a:spLocks noGrp="1"/>
           </p:cNvSpPr>
@@ -943,8 +614,8 @@
         </p:nvSpPr>
         <p:spPr>
           <a:xfrm>
-            <a:off x="457200" y="274638"/>
-            <a:ext cx="6019800" cy="5851525"/>
+            <a:off x="838200" y="365125"/>
+            <a:ext cx="7734300" cy="5811838"/>
           </a:xfrm>
         </p:spPr>
         <p:txBody>
@@ -954,7 +625,7 @@
             <a:pPr lvl="0"/>
             <a:r>
               <a:rPr lang="en-US"/>
-              <a:t>Click to edit Master text styles</a:t>
+              <a:t>Edit Master text styles</a:t>
             </a:r>
           </a:p>
           <a:p>
@@ -984,12 +655,19 @@
               <a:rPr lang="en-US"/>
               <a:t>Fifth level</a:t>
             </a:r>
-          </a:p>
-        </p:txBody>
-      </p:sp>
-      <p:sp>
-        <p:nvSpPr>
-          <p:cNvPr id="4" name="Date Placeholder 3"/>
+            <a:endParaRPr lang="en-SG"/>
+          </a:p>
+        </p:txBody>
+      </p:sp>
+      <p:sp>
+        <p:nvSpPr>
+          <p:cNvPr id="4" name="Date Placeholder 3">
+            <a:extLst>
+              <a:ext uri="{FF2B5EF4-FFF2-40B4-BE49-F238E27FC236}">
+                <a16:creationId xmlns:a16="http://schemas.microsoft.com/office/drawing/2014/main" id="{497738FE-0003-479F-B858-73CAEBE3DE16}"/>
+              </a:ext>
+            </a:extLst>
+          </p:cNvPr>
           <p:cNvSpPr>
             <a:spLocks noGrp="1"/>
           </p:cNvSpPr>
@@ -1002,17 +680,23 @@
           <a:bodyPr/>
           <a:lstStyle/>
           <a:p>
-            <a:fld id="{78C97017-6FC3-485B-9764-EAC9E56C1D49}" type="datetimeFigureOut">
-              <a:rPr lang="en-US" smtClean="0"/>
-              <a:t>7/21/17</a:t>
+            <a:fld id="{5A3BE7D4-C6FA-462D-8EFC-CA4C002ED0A4}" type="datetimeFigureOut">
+              <a:rPr lang="en-SG" smtClean="0"/>
+              <a:t>14/4/2018</a:t>
             </a:fld>
-            <a:endParaRPr lang="en-US"/>
-          </a:p>
-        </p:txBody>
-      </p:sp>
-      <p:sp>
-        <p:nvSpPr>
-          <p:cNvPr id="5" name="Footer Placeholder 4"/>
+            <a:endParaRPr lang="en-SG"/>
+          </a:p>
+        </p:txBody>
+      </p:sp>
+      <p:sp>
+        <p:nvSpPr>
+          <p:cNvPr id="5" name="Footer Placeholder 4">
+            <a:extLst>
+              <a:ext uri="{FF2B5EF4-FFF2-40B4-BE49-F238E27FC236}">
+                <a16:creationId xmlns:a16="http://schemas.microsoft.com/office/drawing/2014/main" id="{DEA1687F-4E17-4631-8924-96C194614B64}"/>
+              </a:ext>
+            </a:extLst>
+          </p:cNvPr>
           <p:cNvSpPr>
             <a:spLocks noGrp="1"/>
           </p:cNvSpPr>
@@ -1025,13 +709,19 @@
           <a:bodyPr/>
           <a:lstStyle/>
           <a:p>
-            <a:endParaRPr lang="en-US"/>
-          </a:p>
-        </p:txBody>
-      </p:sp>
-      <p:sp>
-        <p:nvSpPr>
-          <p:cNvPr id="6" name="Slide Number Placeholder 5"/>
+            <a:endParaRPr lang="en-SG"/>
+          </a:p>
+        </p:txBody>
+      </p:sp>
+      <p:sp>
+        <p:nvSpPr>
+          <p:cNvPr id="6" name="Slide Number Placeholder 5">
+            <a:extLst>
+              <a:ext uri="{FF2B5EF4-FFF2-40B4-BE49-F238E27FC236}">
+                <a16:creationId xmlns:a16="http://schemas.microsoft.com/office/drawing/2014/main" id="{AC15E8E0-D192-4C60-95A1-8E8733A760C1}"/>
+              </a:ext>
+            </a:extLst>
+          </p:cNvPr>
           <p:cNvSpPr>
             <a:spLocks noGrp="1"/>
           </p:cNvSpPr>
@@ -1044,18 +734,18 @@
           <a:bodyPr/>
           <a:lstStyle/>
           <a:p>
-            <a:fld id="{FB34683C-161B-4520-BF45-B179E228CF2A}" type="slidenum">
-              <a:rPr lang="en-US" smtClean="0"/>
+            <a:fld id="{4210DC9C-588E-433F-A25E-848E002F5F58}" type="slidenum">
+              <a:rPr lang="en-SG" smtClean="0"/>
               <a:t>‹#›</a:t>
             </a:fld>
-            <a:endParaRPr lang="en-US"/>
+            <a:endParaRPr lang="en-SG"/>
           </a:p>
         </p:txBody>
       </p:sp>
     </p:spTree>
     <p:extLst>
       <p:ext uri="{BB962C8B-B14F-4D97-AF65-F5344CB8AC3E}">
-        <p14:creationId xmlns:p14="http://schemas.microsoft.com/office/powerpoint/2010/main" val="568378986"/>
+        <p14:creationId xmlns:p14="http://schemas.microsoft.com/office/powerpoint/2010/main" val="781153702"/>
       </p:ext>
     </p:extLst>
   </p:cSld>
@@ -1084,7 +774,13 @@
       </p:grpSpPr>
       <p:sp>
         <p:nvSpPr>
-          <p:cNvPr id="2" name="Title 1"/>
+          <p:cNvPr id="2" name="Title 1">
+            <a:extLst>
+              <a:ext uri="{FF2B5EF4-FFF2-40B4-BE49-F238E27FC236}">
+                <a16:creationId xmlns:a16="http://schemas.microsoft.com/office/drawing/2014/main" id="{81A10CE8-3C94-4379-8B1A-F5120C89B72F}"/>
+              </a:ext>
+            </a:extLst>
+          </p:cNvPr>
           <p:cNvSpPr>
             <a:spLocks noGrp="1"/>
           </p:cNvSpPr>
@@ -1101,12 +797,19 @@
               <a:rPr lang="en-US"/>
               <a:t>Click to edit Master title style</a:t>
             </a:r>
-          </a:p>
-        </p:txBody>
-      </p:sp>
-      <p:sp>
-        <p:nvSpPr>
-          <p:cNvPr id="3" name="Content Placeholder 2"/>
+            <a:endParaRPr lang="en-SG"/>
+          </a:p>
+        </p:txBody>
+      </p:sp>
+      <p:sp>
+        <p:nvSpPr>
+          <p:cNvPr id="3" name="Content Placeholder 2">
+            <a:extLst>
+              <a:ext uri="{FF2B5EF4-FFF2-40B4-BE49-F238E27FC236}">
+                <a16:creationId xmlns:a16="http://schemas.microsoft.com/office/drawing/2014/main" id="{0D680470-967E-4C24-9EC8-BD28BC57FD19}"/>
+              </a:ext>
+            </a:extLst>
+          </p:cNvPr>
           <p:cNvSpPr>
             <a:spLocks noGrp="1"/>
           </p:cNvSpPr>
@@ -1122,7 +825,7 @@
             <a:pPr lvl="0"/>
             <a:r>
               <a:rPr lang="en-US"/>
-              <a:t>Click to edit Master text styles</a:t>
+              <a:t>Edit Master text styles</a:t>
             </a:r>
           </a:p>
           <a:p>
@@ -1152,12 +855,19 @@
               <a:rPr lang="en-US"/>
               <a:t>Fifth level</a:t>
             </a:r>
-          </a:p>
-        </p:txBody>
-      </p:sp>
-      <p:sp>
-        <p:nvSpPr>
-          <p:cNvPr id="4" name="Date Placeholder 3"/>
+            <a:endParaRPr lang="en-SG"/>
+          </a:p>
+        </p:txBody>
+      </p:sp>
+      <p:sp>
+        <p:nvSpPr>
+          <p:cNvPr id="4" name="Date Placeholder 3">
+            <a:extLst>
+              <a:ext uri="{FF2B5EF4-FFF2-40B4-BE49-F238E27FC236}">
+                <a16:creationId xmlns:a16="http://schemas.microsoft.com/office/drawing/2014/main" id="{514BCB12-989F-4346-91BF-87BB65DD9CF3}"/>
+              </a:ext>
+            </a:extLst>
+          </p:cNvPr>
           <p:cNvSpPr>
             <a:spLocks noGrp="1"/>
           </p:cNvSpPr>
@@ -1170,17 +880,23 @@
           <a:bodyPr/>
           <a:lstStyle/>
           <a:p>
-            <a:fld id="{78C97017-6FC3-485B-9764-EAC9E56C1D49}" type="datetimeFigureOut">
-              <a:rPr lang="en-US" smtClean="0"/>
-              <a:t>7/21/17</a:t>
+            <a:fld id="{5A3BE7D4-C6FA-462D-8EFC-CA4C002ED0A4}" type="datetimeFigureOut">
+              <a:rPr lang="en-SG" smtClean="0"/>
+              <a:t>14/4/2018</a:t>
             </a:fld>
-            <a:endParaRPr lang="en-US"/>
-          </a:p>
-        </p:txBody>
-      </p:sp>
-      <p:sp>
-        <p:nvSpPr>
-          <p:cNvPr id="5" name="Footer Placeholder 4"/>
+            <a:endParaRPr lang="en-SG"/>
+          </a:p>
+        </p:txBody>
+      </p:sp>
+      <p:sp>
+        <p:nvSpPr>
+          <p:cNvPr id="5" name="Footer Placeholder 4">
+            <a:extLst>
+              <a:ext uri="{FF2B5EF4-FFF2-40B4-BE49-F238E27FC236}">
+                <a16:creationId xmlns:a16="http://schemas.microsoft.com/office/drawing/2014/main" id="{B7C6AF7F-6D75-4B61-9DAC-68AF04791D80}"/>
+              </a:ext>
+            </a:extLst>
+          </p:cNvPr>
           <p:cNvSpPr>
             <a:spLocks noGrp="1"/>
           </p:cNvSpPr>
@@ -1193,13 +909,19 @@
           <a:bodyPr/>
           <a:lstStyle/>
           <a:p>
-            <a:endParaRPr lang="en-US"/>
-          </a:p>
-        </p:txBody>
-      </p:sp>
-      <p:sp>
-        <p:nvSpPr>
-          <p:cNvPr id="6" name="Slide Number Placeholder 5"/>
+            <a:endParaRPr lang="en-SG"/>
+          </a:p>
+        </p:txBody>
+      </p:sp>
+      <p:sp>
+        <p:nvSpPr>
+          <p:cNvPr id="6" name="Slide Number Placeholder 5">
+            <a:extLst>
+              <a:ext uri="{FF2B5EF4-FFF2-40B4-BE49-F238E27FC236}">
+                <a16:creationId xmlns:a16="http://schemas.microsoft.com/office/drawing/2014/main" id="{0B38D38B-45C7-4EFC-B1FD-30FA79535D07}"/>
+              </a:ext>
+            </a:extLst>
+          </p:cNvPr>
           <p:cNvSpPr>
             <a:spLocks noGrp="1"/>
           </p:cNvSpPr>
@@ -1212,18 +934,18 @@
           <a:bodyPr/>
           <a:lstStyle/>
           <a:p>
-            <a:fld id="{FB34683C-161B-4520-BF45-B179E228CF2A}" type="slidenum">
-              <a:rPr lang="en-US" smtClean="0"/>
+            <a:fld id="{4210DC9C-588E-433F-A25E-848E002F5F58}" type="slidenum">
+              <a:rPr lang="en-SG" smtClean="0"/>
               <a:t>‹#›</a:t>
             </a:fld>
-            <a:endParaRPr lang="en-US"/>
+            <a:endParaRPr lang="en-SG"/>
           </a:p>
         </p:txBody>
       </p:sp>
     </p:spTree>
     <p:extLst>
       <p:ext uri="{BB962C8B-B14F-4D97-AF65-F5344CB8AC3E}">
-        <p14:creationId xmlns:p14="http://schemas.microsoft.com/office/powerpoint/2010/main" val="266658052"/>
+        <p14:creationId xmlns:p14="http://schemas.microsoft.com/office/powerpoint/2010/main" val="1391442692"/>
       </p:ext>
     </p:extLst>
   </p:cSld>
@@ -1252,7 +974,13 @@
       </p:grpSpPr>
       <p:sp>
         <p:nvSpPr>
-          <p:cNvPr id="2" name="Title 1"/>
+          <p:cNvPr id="2" name="Title 1">
+            <a:extLst>
+              <a:ext uri="{FF2B5EF4-FFF2-40B4-BE49-F238E27FC236}">
+                <a16:creationId xmlns:a16="http://schemas.microsoft.com/office/drawing/2014/main" id="{AEA28BD5-7978-4323-BE55-1E69FDBE73DB}"/>
+              </a:ext>
+            </a:extLst>
+          </p:cNvPr>
           <p:cNvSpPr>
             <a:spLocks noGrp="1"/>
           </p:cNvSpPr>
@@ -1262,15 +990,15 @@
         </p:nvSpPr>
         <p:spPr>
           <a:xfrm>
-            <a:off x="722313" y="4406900"/>
-            <a:ext cx="7772400" cy="1362075"/>
-          </a:xfrm>
-        </p:spPr>
-        <p:txBody>
-          <a:bodyPr anchor="t"/>
+            <a:off x="831850" y="1709738"/>
+            <a:ext cx="10515600" cy="2852737"/>
+          </a:xfrm>
+        </p:spPr>
+        <p:txBody>
+          <a:bodyPr anchor="b"/>
           <a:lstStyle>
-            <a:lvl1pPr algn="l">
-              <a:defRPr sz="4000" b="1" cap="all"/>
+            <a:lvl1pPr>
+              <a:defRPr sz="6000"/>
             </a:lvl1pPr>
           </a:lstStyle>
           <a:p>
@@ -1278,12 +1006,19 @@
               <a:rPr lang="en-US"/>
               <a:t>Click to edit Master title style</a:t>
             </a:r>
-          </a:p>
-        </p:txBody>
-      </p:sp>
-      <p:sp>
-        <p:nvSpPr>
-          <p:cNvPr id="3" name="Text Placeholder 2"/>
+            <a:endParaRPr lang="en-SG"/>
+          </a:p>
+        </p:txBody>
+      </p:sp>
+      <p:sp>
+        <p:nvSpPr>
+          <p:cNvPr id="3" name="Text Placeholder 2">
+            <a:extLst>
+              <a:ext uri="{FF2B5EF4-FFF2-40B4-BE49-F238E27FC236}">
+                <a16:creationId xmlns:a16="http://schemas.microsoft.com/office/drawing/2014/main" id="{D41780AC-975F-4C2C-8E31-D5EBB529BD93}"/>
+              </a:ext>
+            </a:extLst>
+          </p:cNvPr>
           <p:cNvSpPr>
             <a:spLocks noGrp="1"/>
           </p:cNvSpPr>
@@ -1293,16 +1028,16 @@
         </p:nvSpPr>
         <p:spPr>
           <a:xfrm>
-            <a:off x="722313" y="2906713"/>
-            <a:ext cx="7772400" cy="1500187"/>
-          </a:xfrm>
-        </p:spPr>
-        <p:txBody>
-          <a:bodyPr anchor="b"/>
+            <a:off x="831850" y="4589463"/>
+            <a:ext cx="10515600" cy="1500187"/>
+          </a:xfrm>
+        </p:spPr>
+        <p:txBody>
+          <a:bodyPr/>
           <a:lstStyle>
             <a:lvl1pPr marL="0" indent="0">
               <a:buNone/>
-              <a:defRPr sz="2000">
+              <a:defRPr sz="2400">
                 <a:solidFill>
                   <a:schemeClr val="tx1">
                     <a:tint val="75000"/>
@@ -1312,7 +1047,7 @@
             </a:lvl1pPr>
             <a:lvl2pPr marL="457200" indent="0">
               <a:buNone/>
-              <a:defRPr sz="1800">
+              <a:defRPr sz="2000">
                 <a:solidFill>
                   <a:schemeClr val="tx1">
                     <a:tint val="75000"/>
@@ -1322,7 +1057,7 @@
             </a:lvl2pPr>
             <a:lvl3pPr marL="914400" indent="0">
               <a:buNone/>
-              <a:defRPr sz="1600">
+              <a:defRPr sz="1800">
                 <a:solidFill>
                   <a:schemeClr val="tx1">
                     <a:tint val="75000"/>
@@ -1332,7 +1067,7 @@
             </a:lvl3pPr>
             <a:lvl4pPr marL="1371600" indent="0">
               <a:buNone/>
-              <a:defRPr sz="1400">
+              <a:defRPr sz="1600">
                 <a:solidFill>
                   <a:schemeClr val="tx1">
                     <a:tint val="75000"/>
@@ -1342,7 +1077,7 @@
             </a:lvl4pPr>
             <a:lvl5pPr marL="1828800" indent="0">
               <a:buNone/>
-              <a:defRPr sz="1400">
+              <a:defRPr sz="1600">
                 <a:solidFill>
                   <a:schemeClr val="tx1">
                     <a:tint val="75000"/>
@@ -1352,7 +1087,7 @@
             </a:lvl5pPr>
             <a:lvl6pPr marL="2286000" indent="0">
               <a:buNone/>
-              <a:defRPr sz="1400">
+              <a:defRPr sz="1600">
                 <a:solidFill>
                   <a:schemeClr val="tx1">
                     <a:tint val="75000"/>
@@ -1362,7 +1097,7 @@
             </a:lvl6pPr>
             <a:lvl7pPr marL="2743200" indent="0">
               <a:buNone/>
-              <a:defRPr sz="1400">
+              <a:defRPr sz="1600">
                 <a:solidFill>
                   <a:schemeClr val="tx1">
                     <a:tint val="75000"/>
@@ -1372,7 +1107,7 @@
             </a:lvl7pPr>
             <a:lvl8pPr marL="3200400" indent="0">
               <a:buNone/>
-              <a:defRPr sz="1400">
+              <a:defRPr sz="1600">
                 <a:solidFill>
                   <a:schemeClr val="tx1">
                     <a:tint val="75000"/>
@@ -1382,7 +1117,7 @@
             </a:lvl8pPr>
             <a:lvl9pPr marL="3657600" indent="0">
               <a:buNone/>
-              <a:defRPr sz="1400">
+              <a:defRPr sz="1600">
                 <a:solidFill>
                   <a:schemeClr val="tx1">
                     <a:tint val="75000"/>
@@ -1395,14 +1130,20 @@
             <a:pPr lvl="0"/>
             <a:r>
               <a:rPr lang="en-US"/>
-              <a:t>Click to edit Master text styles</a:t>
-            </a:r>
-          </a:p>
-        </p:txBody>
-      </p:sp>
-      <p:sp>
-        <p:nvSpPr>
-          <p:cNvPr id="4" name="Date Placeholder 3"/>
+              <a:t>Edit Master text styles</a:t>
+            </a:r>
+          </a:p>
+        </p:txBody>
+      </p:sp>
+      <p:sp>
+        <p:nvSpPr>
+          <p:cNvPr id="4" name="Date Placeholder 3">
+            <a:extLst>
+              <a:ext uri="{FF2B5EF4-FFF2-40B4-BE49-F238E27FC236}">
+                <a16:creationId xmlns:a16="http://schemas.microsoft.com/office/drawing/2014/main" id="{6E29414F-5705-4A2B-B0FA-71AB0584CBB6}"/>
+              </a:ext>
+            </a:extLst>
+          </p:cNvPr>
           <p:cNvSpPr>
             <a:spLocks noGrp="1"/>
           </p:cNvSpPr>
@@ -1415,17 +1156,23 @@
           <a:bodyPr/>
           <a:lstStyle/>
           <a:p>
-            <a:fld id="{78C97017-6FC3-485B-9764-EAC9E56C1D49}" type="datetimeFigureOut">
-              <a:rPr lang="en-US" smtClean="0"/>
-              <a:t>7/21/17</a:t>
+            <a:fld id="{5A3BE7D4-C6FA-462D-8EFC-CA4C002ED0A4}" type="datetimeFigureOut">
+              <a:rPr lang="en-SG" smtClean="0"/>
+              <a:t>14/4/2018</a:t>
             </a:fld>
-            <a:endParaRPr lang="en-US"/>
-          </a:p>
-        </p:txBody>
-      </p:sp>
-      <p:sp>
-        <p:nvSpPr>
-          <p:cNvPr id="5" name="Footer Placeholder 4"/>
+            <a:endParaRPr lang="en-SG"/>
+          </a:p>
+        </p:txBody>
+      </p:sp>
+      <p:sp>
+        <p:nvSpPr>
+          <p:cNvPr id="5" name="Footer Placeholder 4">
+            <a:extLst>
+              <a:ext uri="{FF2B5EF4-FFF2-40B4-BE49-F238E27FC236}">
+                <a16:creationId xmlns:a16="http://schemas.microsoft.com/office/drawing/2014/main" id="{165778D5-3ED3-4374-A856-98D85998253A}"/>
+              </a:ext>
+            </a:extLst>
+          </p:cNvPr>
           <p:cNvSpPr>
             <a:spLocks noGrp="1"/>
           </p:cNvSpPr>
@@ -1438,13 +1185,19 @@
           <a:bodyPr/>
           <a:lstStyle/>
           <a:p>
-            <a:endParaRPr lang="en-US"/>
-          </a:p>
-        </p:txBody>
-      </p:sp>
-      <p:sp>
-        <p:nvSpPr>
-          <p:cNvPr id="6" name="Slide Number Placeholder 5"/>
+            <a:endParaRPr lang="en-SG"/>
+          </a:p>
+        </p:txBody>
+      </p:sp>
+      <p:sp>
+        <p:nvSpPr>
+          <p:cNvPr id="6" name="Slide Number Placeholder 5">
+            <a:extLst>
+              <a:ext uri="{FF2B5EF4-FFF2-40B4-BE49-F238E27FC236}">
+                <a16:creationId xmlns:a16="http://schemas.microsoft.com/office/drawing/2014/main" id="{2C064B35-45DF-4604-A550-1B32308C6FD2}"/>
+              </a:ext>
+            </a:extLst>
+          </p:cNvPr>
           <p:cNvSpPr>
             <a:spLocks noGrp="1"/>
           </p:cNvSpPr>
@@ -1457,18 +1210,18 @@
           <a:bodyPr/>
           <a:lstStyle/>
           <a:p>
-            <a:fld id="{FB34683C-161B-4520-BF45-B179E228CF2A}" type="slidenum">
-              <a:rPr lang="en-US" smtClean="0"/>
+            <a:fld id="{4210DC9C-588E-433F-A25E-848E002F5F58}" type="slidenum">
+              <a:rPr lang="en-SG" smtClean="0"/>
               <a:t>‹#›</a:t>
             </a:fld>
-            <a:endParaRPr lang="en-US"/>
+            <a:endParaRPr lang="en-SG"/>
           </a:p>
         </p:txBody>
       </p:sp>
     </p:spTree>
     <p:extLst>
       <p:ext uri="{BB962C8B-B14F-4D97-AF65-F5344CB8AC3E}">
-        <p14:creationId xmlns:p14="http://schemas.microsoft.com/office/powerpoint/2010/main" val="474686344"/>
+        <p14:creationId xmlns:p14="http://schemas.microsoft.com/office/powerpoint/2010/main" val="2351244597"/>
       </p:ext>
     </p:extLst>
   </p:cSld>
@@ -1497,7 +1250,13 @@
       </p:grpSpPr>
       <p:sp>
         <p:nvSpPr>
-          <p:cNvPr id="2" name="Title 1"/>
+          <p:cNvPr id="2" name="Title 1">
+            <a:extLst>
+              <a:ext uri="{FF2B5EF4-FFF2-40B4-BE49-F238E27FC236}">
+                <a16:creationId xmlns:a16="http://schemas.microsoft.com/office/drawing/2014/main" id="{FA9F6C41-F584-4BA5-BB0A-DACAE45D7418}"/>
+              </a:ext>
+            </a:extLst>
+          </p:cNvPr>
           <p:cNvSpPr>
             <a:spLocks noGrp="1"/>
           </p:cNvSpPr>
@@ -1514,12 +1273,19 @@
               <a:rPr lang="en-US"/>
               <a:t>Click to edit Master title style</a:t>
             </a:r>
-          </a:p>
-        </p:txBody>
-      </p:sp>
-      <p:sp>
-        <p:nvSpPr>
-          <p:cNvPr id="3" name="Content Placeholder 2"/>
+            <a:endParaRPr lang="en-SG"/>
+          </a:p>
+        </p:txBody>
+      </p:sp>
+      <p:sp>
+        <p:nvSpPr>
+          <p:cNvPr id="3" name="Content Placeholder 2">
+            <a:extLst>
+              <a:ext uri="{FF2B5EF4-FFF2-40B4-BE49-F238E27FC236}">
+                <a16:creationId xmlns:a16="http://schemas.microsoft.com/office/drawing/2014/main" id="{8CC47445-E374-44B5-AF9A-492F394B867F}"/>
+              </a:ext>
+            </a:extLst>
+          </p:cNvPr>
           <p:cNvSpPr>
             <a:spLocks noGrp="1"/>
           </p:cNvSpPr>
@@ -1529,46 +1295,18 @@
         </p:nvSpPr>
         <p:spPr>
           <a:xfrm>
-            <a:off x="457200" y="1600200"/>
-            <a:ext cx="4038600" cy="4525963"/>
+            <a:off x="838200" y="1825625"/>
+            <a:ext cx="5181600" cy="4351338"/>
           </a:xfrm>
         </p:spPr>
         <p:txBody>
           <a:bodyPr/>
-          <a:lstStyle>
-            <a:lvl1pPr>
-              <a:defRPr sz="2800"/>
-            </a:lvl1pPr>
-            <a:lvl2pPr>
-              <a:defRPr sz="2400"/>
-            </a:lvl2pPr>
-            <a:lvl3pPr>
-              <a:defRPr sz="2000"/>
-            </a:lvl3pPr>
-            <a:lvl4pPr>
-              <a:defRPr sz="1800"/>
-            </a:lvl4pPr>
-            <a:lvl5pPr>
-              <a:defRPr sz="1800"/>
-            </a:lvl5pPr>
-            <a:lvl6pPr>
-              <a:defRPr sz="1800"/>
-            </a:lvl6pPr>
-            <a:lvl7pPr>
-              <a:defRPr sz="1800"/>
-            </a:lvl7pPr>
-            <a:lvl8pPr>
-              <a:defRPr sz="1800"/>
-            </a:lvl8pPr>
-            <a:lvl9pPr>
-              <a:defRPr sz="1800"/>
-            </a:lvl9pPr>
-          </a:lstStyle>
+          <a:lstStyle/>
           <a:p>
             <a:pPr lvl="0"/>
             <a:r>
               <a:rPr lang="en-US"/>
-              <a:t>Click to edit Master text styles</a:t>
+              <a:t>Edit Master text styles</a:t>
             </a:r>
           </a:p>
           <a:p>
@@ -1598,12 +1336,19 @@
               <a:rPr lang="en-US"/>
               <a:t>Fifth level</a:t>
             </a:r>
-          </a:p>
-        </p:txBody>
-      </p:sp>
-      <p:sp>
-        <p:nvSpPr>
-          <p:cNvPr id="4" name="Content Placeholder 3"/>
+            <a:endParaRPr lang="en-SG"/>
+          </a:p>
+        </p:txBody>
+      </p:sp>
+      <p:sp>
+        <p:nvSpPr>
+          <p:cNvPr id="4" name="Content Placeholder 3">
+            <a:extLst>
+              <a:ext uri="{FF2B5EF4-FFF2-40B4-BE49-F238E27FC236}">
+                <a16:creationId xmlns:a16="http://schemas.microsoft.com/office/drawing/2014/main" id="{3554F26D-274C-49C1-9816-4CBC57C7BB6F}"/>
+              </a:ext>
+            </a:extLst>
+          </p:cNvPr>
           <p:cNvSpPr>
             <a:spLocks noGrp="1"/>
           </p:cNvSpPr>
@@ -1613,46 +1358,18 @@
         </p:nvSpPr>
         <p:spPr>
           <a:xfrm>
-            <a:off x="4648200" y="1600200"/>
-            <a:ext cx="4038600" cy="4525963"/>
+            <a:off x="6172200" y="1825625"/>
+            <a:ext cx="5181600" cy="4351338"/>
           </a:xfrm>
         </p:spPr>
         <p:txBody>
           <a:bodyPr/>
-          <a:lstStyle>
-            <a:lvl1pPr>
-              <a:defRPr sz="2800"/>
-            </a:lvl1pPr>
-            <a:lvl2pPr>
-              <a:defRPr sz="2400"/>
-            </a:lvl2pPr>
-            <a:lvl3pPr>
-              <a:defRPr sz="2000"/>
-            </a:lvl3pPr>
-            <a:lvl4pPr>
-              <a:defRPr sz="1800"/>
-            </a:lvl4pPr>
-            <a:lvl5pPr>
-              <a:defRPr sz="1800"/>
-            </a:lvl5pPr>
-            <a:lvl6pPr>
-              <a:defRPr sz="1800"/>
-            </a:lvl6pPr>
-            <a:lvl7pPr>
-              <a:defRPr sz="1800"/>
-            </a:lvl7pPr>
-            <a:lvl8pPr>
-              <a:defRPr sz="1800"/>
-            </a:lvl8pPr>
-            <a:lvl9pPr>
-              <a:defRPr sz="1800"/>
-            </a:lvl9pPr>
-          </a:lstStyle>
+          <a:lstStyle/>
           <a:p>
             <a:pPr lvl="0"/>
             <a:r>
               <a:rPr lang="en-US"/>
-              <a:t>Click to edit Master text styles</a:t>
+              <a:t>Edit Master text styles</a:t>
             </a:r>
           </a:p>
           <a:p>
@@ -1682,12 +1399,19 @@
               <a:rPr lang="en-US"/>
               <a:t>Fifth level</a:t>
             </a:r>
-          </a:p>
-        </p:txBody>
-      </p:sp>
-      <p:sp>
-        <p:nvSpPr>
-          <p:cNvPr id="5" name="Date Placeholder 4"/>
+            <a:endParaRPr lang="en-SG"/>
+          </a:p>
+        </p:txBody>
+      </p:sp>
+      <p:sp>
+        <p:nvSpPr>
+          <p:cNvPr id="5" name="Date Placeholder 4">
+            <a:extLst>
+              <a:ext uri="{FF2B5EF4-FFF2-40B4-BE49-F238E27FC236}">
+                <a16:creationId xmlns:a16="http://schemas.microsoft.com/office/drawing/2014/main" id="{5FD06F95-D817-4C76-9917-FF44E83827E9}"/>
+              </a:ext>
+            </a:extLst>
+          </p:cNvPr>
           <p:cNvSpPr>
             <a:spLocks noGrp="1"/>
           </p:cNvSpPr>
@@ -1700,17 +1424,23 @@
           <a:bodyPr/>
           <a:lstStyle/>
           <a:p>
-            <a:fld id="{78C97017-6FC3-485B-9764-EAC9E56C1D49}" type="datetimeFigureOut">
-              <a:rPr lang="en-US" smtClean="0"/>
-              <a:t>7/21/17</a:t>
+            <a:fld id="{5A3BE7D4-C6FA-462D-8EFC-CA4C002ED0A4}" type="datetimeFigureOut">
+              <a:rPr lang="en-SG" smtClean="0"/>
+              <a:t>14/4/2018</a:t>
             </a:fld>
-            <a:endParaRPr lang="en-US"/>
-          </a:p>
-        </p:txBody>
-      </p:sp>
-      <p:sp>
-        <p:nvSpPr>
-          <p:cNvPr id="6" name="Footer Placeholder 5"/>
+            <a:endParaRPr lang="en-SG"/>
+          </a:p>
+        </p:txBody>
+      </p:sp>
+      <p:sp>
+        <p:nvSpPr>
+          <p:cNvPr id="6" name="Footer Placeholder 5">
+            <a:extLst>
+              <a:ext uri="{FF2B5EF4-FFF2-40B4-BE49-F238E27FC236}">
+                <a16:creationId xmlns:a16="http://schemas.microsoft.com/office/drawing/2014/main" id="{CD7C1B10-5967-4F69-8F42-7714B2C7F896}"/>
+              </a:ext>
+            </a:extLst>
+          </p:cNvPr>
           <p:cNvSpPr>
             <a:spLocks noGrp="1"/>
           </p:cNvSpPr>
@@ -1723,13 +1453,19 @@
           <a:bodyPr/>
           <a:lstStyle/>
           <a:p>
-            <a:endParaRPr lang="en-US"/>
-          </a:p>
-        </p:txBody>
-      </p:sp>
-      <p:sp>
-        <p:nvSpPr>
-          <p:cNvPr id="7" name="Slide Number Placeholder 6"/>
+            <a:endParaRPr lang="en-SG"/>
+          </a:p>
+        </p:txBody>
+      </p:sp>
+      <p:sp>
+        <p:nvSpPr>
+          <p:cNvPr id="7" name="Slide Number Placeholder 6">
+            <a:extLst>
+              <a:ext uri="{FF2B5EF4-FFF2-40B4-BE49-F238E27FC236}">
+                <a16:creationId xmlns:a16="http://schemas.microsoft.com/office/drawing/2014/main" id="{F3DBFE37-0090-4646-A512-6CB48134EFB6}"/>
+              </a:ext>
+            </a:extLst>
+          </p:cNvPr>
           <p:cNvSpPr>
             <a:spLocks noGrp="1"/>
           </p:cNvSpPr>
@@ -1742,18 +1478,18 @@
           <a:bodyPr/>
           <a:lstStyle/>
           <a:p>
-            <a:fld id="{FB34683C-161B-4520-BF45-B179E228CF2A}" type="slidenum">
-              <a:rPr lang="en-US" smtClean="0"/>
+            <a:fld id="{4210DC9C-588E-433F-A25E-848E002F5F58}" type="slidenum">
+              <a:rPr lang="en-SG" smtClean="0"/>
               <a:t>‹#›</a:t>
             </a:fld>
-            <a:endParaRPr lang="en-US"/>
+            <a:endParaRPr lang="en-SG"/>
           </a:p>
         </p:txBody>
       </p:sp>
     </p:spTree>
     <p:extLst>
       <p:ext uri="{BB962C8B-B14F-4D97-AF65-F5344CB8AC3E}">
-        <p14:creationId xmlns:p14="http://schemas.microsoft.com/office/powerpoint/2010/main" val="562293251"/>
+        <p14:creationId xmlns:p14="http://schemas.microsoft.com/office/powerpoint/2010/main" val="1386571913"/>
       </p:ext>
     </p:extLst>
   </p:cSld>
@@ -1782,7 +1518,13 @@
       </p:grpSpPr>
       <p:sp>
         <p:nvSpPr>
-          <p:cNvPr id="2" name="Title 1"/>
+          <p:cNvPr id="2" name="Title 1">
+            <a:extLst>
+              <a:ext uri="{FF2B5EF4-FFF2-40B4-BE49-F238E27FC236}">
+                <a16:creationId xmlns:a16="http://schemas.microsoft.com/office/drawing/2014/main" id="{BADDCECB-9D4C-4811-8C6B-380B2FB06E58}"/>
+              </a:ext>
+            </a:extLst>
+          </p:cNvPr>
           <p:cNvSpPr>
             <a:spLocks noGrp="1"/>
           </p:cNvSpPr>
@@ -1790,25 +1532,33 @@
             <p:ph type="title"/>
           </p:nvPr>
         </p:nvSpPr>
-        <p:spPr/>
+        <p:spPr>
+          <a:xfrm>
+            <a:off x="839788" y="365125"/>
+            <a:ext cx="10515600" cy="1325563"/>
+          </a:xfrm>
+        </p:spPr>
         <p:txBody>
           <a:bodyPr/>
-          <a:lstStyle>
-            <a:lvl1pPr>
-              <a:defRPr/>
-            </a:lvl1pPr>
-          </a:lstStyle>
+          <a:lstStyle/>
           <a:p>
             <a:r>
               <a:rPr lang="en-US"/>
               <a:t>Click to edit Master title style</a:t>
             </a:r>
-          </a:p>
-        </p:txBody>
-      </p:sp>
-      <p:sp>
-        <p:nvSpPr>
-          <p:cNvPr id="3" name="Text Placeholder 2"/>
+            <a:endParaRPr lang="en-SG"/>
+          </a:p>
+        </p:txBody>
+      </p:sp>
+      <p:sp>
+        <p:nvSpPr>
+          <p:cNvPr id="3" name="Text Placeholder 2">
+            <a:extLst>
+              <a:ext uri="{FF2B5EF4-FFF2-40B4-BE49-F238E27FC236}">
+                <a16:creationId xmlns:a16="http://schemas.microsoft.com/office/drawing/2014/main" id="{4F6A5514-5A82-4D09-B66E-ABAA63405D95}"/>
+              </a:ext>
+            </a:extLst>
+          </p:cNvPr>
           <p:cNvSpPr>
             <a:spLocks noGrp="1"/>
           </p:cNvSpPr>
@@ -1818,8 +1568,8 @@
         </p:nvSpPr>
         <p:spPr>
           <a:xfrm>
-            <a:off x="457200" y="1535113"/>
-            <a:ext cx="4040188" cy="639762"/>
+            <a:off x="839788" y="1681163"/>
+            <a:ext cx="5157787" cy="823912"/>
           </a:xfrm>
         </p:spPr>
         <p:txBody>
@@ -1866,14 +1616,20 @@
             <a:pPr lvl="0"/>
             <a:r>
               <a:rPr lang="en-US"/>
-              <a:t>Click to edit Master text styles</a:t>
-            </a:r>
-          </a:p>
-        </p:txBody>
-      </p:sp>
-      <p:sp>
-        <p:nvSpPr>
-          <p:cNvPr id="4" name="Content Placeholder 3"/>
+              <a:t>Edit Master text styles</a:t>
+            </a:r>
+          </a:p>
+        </p:txBody>
+      </p:sp>
+      <p:sp>
+        <p:nvSpPr>
+          <p:cNvPr id="4" name="Content Placeholder 3">
+            <a:extLst>
+              <a:ext uri="{FF2B5EF4-FFF2-40B4-BE49-F238E27FC236}">
+                <a16:creationId xmlns:a16="http://schemas.microsoft.com/office/drawing/2014/main" id="{D89F4924-5AF3-49C6-9505-8926DFBF7C3E}"/>
+              </a:ext>
+            </a:extLst>
+          </p:cNvPr>
           <p:cNvSpPr>
             <a:spLocks noGrp="1"/>
           </p:cNvSpPr>
@@ -1883,46 +1639,18 @@
         </p:nvSpPr>
         <p:spPr>
           <a:xfrm>
-            <a:off x="457200" y="2174875"/>
-            <a:ext cx="4040188" cy="3951288"/>
+            <a:off x="839788" y="2505075"/>
+            <a:ext cx="5157787" cy="3684588"/>
           </a:xfrm>
         </p:spPr>
         <p:txBody>
           <a:bodyPr/>
-          <a:lstStyle>
-            <a:lvl1pPr>
-              <a:defRPr sz="2400"/>
-            </a:lvl1pPr>
-            <a:lvl2pPr>
-              <a:defRPr sz="2000"/>
-            </a:lvl2pPr>
-            <a:lvl3pPr>
-              <a:defRPr sz="1800"/>
-            </a:lvl3pPr>
-            <a:lvl4pPr>
-              <a:defRPr sz="1600"/>
-            </a:lvl4pPr>
-            <a:lvl5pPr>
-              <a:defRPr sz="1600"/>
-            </a:lvl5pPr>
-            <a:lvl6pPr>
-              <a:defRPr sz="1600"/>
-            </a:lvl6pPr>
-            <a:lvl7pPr>
-              <a:defRPr sz="1600"/>
-            </a:lvl7pPr>
-            <a:lvl8pPr>
-              <a:defRPr sz="1600"/>
-            </a:lvl8pPr>
-            <a:lvl9pPr>
-              <a:defRPr sz="1600"/>
-            </a:lvl9pPr>
-          </a:lstStyle>
+          <a:lstStyle/>
           <a:p>
             <a:pPr lvl="0"/>
             <a:r>
               <a:rPr lang="en-US"/>
-              <a:t>Click to edit Master text styles</a:t>
+              <a:t>Edit Master text styles</a:t>
             </a:r>
           </a:p>
           <a:p>
@@ -1952,12 +1680,19 @@
               <a:rPr lang="en-US"/>
               <a:t>Fifth level</a:t>
             </a:r>
-          </a:p>
-        </p:txBody>
-      </p:sp>
-      <p:sp>
-        <p:nvSpPr>
-          <p:cNvPr id="5" name="Text Placeholder 4"/>
+            <a:endParaRPr lang="en-SG"/>
+          </a:p>
+        </p:txBody>
+      </p:sp>
+      <p:sp>
+        <p:nvSpPr>
+          <p:cNvPr id="5" name="Text Placeholder 4">
+            <a:extLst>
+              <a:ext uri="{FF2B5EF4-FFF2-40B4-BE49-F238E27FC236}">
+                <a16:creationId xmlns:a16="http://schemas.microsoft.com/office/drawing/2014/main" id="{2B3CB320-6266-4E50-A373-33B5AC12D81A}"/>
+              </a:ext>
+            </a:extLst>
+          </p:cNvPr>
           <p:cNvSpPr>
             <a:spLocks noGrp="1"/>
           </p:cNvSpPr>
@@ -1967,8 +1702,8 @@
         </p:nvSpPr>
         <p:spPr>
           <a:xfrm>
-            <a:off x="4645025" y="1535113"/>
-            <a:ext cx="4041775" cy="639762"/>
+            <a:off x="6172200" y="1681163"/>
+            <a:ext cx="5183188" cy="823912"/>
           </a:xfrm>
         </p:spPr>
         <p:txBody>
@@ -2015,14 +1750,20 @@
             <a:pPr lvl="0"/>
             <a:r>
               <a:rPr lang="en-US"/>
-              <a:t>Click to edit Master text styles</a:t>
-            </a:r>
-          </a:p>
-        </p:txBody>
-      </p:sp>
-      <p:sp>
-        <p:nvSpPr>
-          <p:cNvPr id="6" name="Content Placeholder 5"/>
+              <a:t>Edit Master text styles</a:t>
+            </a:r>
+          </a:p>
+        </p:txBody>
+      </p:sp>
+      <p:sp>
+        <p:nvSpPr>
+          <p:cNvPr id="6" name="Content Placeholder 5">
+            <a:extLst>
+              <a:ext uri="{FF2B5EF4-FFF2-40B4-BE49-F238E27FC236}">
+                <a16:creationId xmlns:a16="http://schemas.microsoft.com/office/drawing/2014/main" id="{A5D60DD6-E444-48C8-9CDE-AC7C5F218FA9}"/>
+              </a:ext>
+            </a:extLst>
+          </p:cNvPr>
           <p:cNvSpPr>
             <a:spLocks noGrp="1"/>
           </p:cNvSpPr>
@@ -2032,46 +1773,18 @@
         </p:nvSpPr>
         <p:spPr>
           <a:xfrm>
-            <a:off x="4645025" y="2174875"/>
-            <a:ext cx="4041775" cy="3951288"/>
+            <a:off x="6172200" y="2505075"/>
+            <a:ext cx="5183188" cy="3684588"/>
           </a:xfrm>
         </p:spPr>
         <p:txBody>
           <a:bodyPr/>
-          <a:lstStyle>
-            <a:lvl1pPr>
-              <a:defRPr sz="2400"/>
-            </a:lvl1pPr>
-            <a:lvl2pPr>
-              <a:defRPr sz="2000"/>
-            </a:lvl2pPr>
-            <a:lvl3pPr>
-              <a:defRPr sz="1800"/>
-            </a:lvl3pPr>
-            <a:lvl4pPr>
-              <a:defRPr sz="1600"/>
-            </a:lvl4pPr>
-            <a:lvl5pPr>
-              <a:defRPr sz="1600"/>
-            </a:lvl5pPr>
-            <a:lvl6pPr>
-              <a:defRPr sz="1600"/>
-            </a:lvl6pPr>
-            <a:lvl7pPr>
-              <a:defRPr sz="1600"/>
-            </a:lvl7pPr>
-            <a:lvl8pPr>
-              <a:defRPr sz="1600"/>
-            </a:lvl8pPr>
-            <a:lvl9pPr>
-              <a:defRPr sz="1600"/>
-            </a:lvl9pPr>
-          </a:lstStyle>
+          <a:lstStyle/>
           <a:p>
             <a:pPr lvl="0"/>
             <a:r>
               <a:rPr lang="en-US"/>
-              <a:t>Click to edit Master text styles</a:t>
+              <a:t>Edit Master text styles</a:t>
             </a:r>
           </a:p>
           <a:p>
@@ -2101,12 +1814,19 @@
               <a:rPr lang="en-US"/>
               <a:t>Fifth level</a:t>
             </a:r>
-          </a:p>
-        </p:txBody>
-      </p:sp>
-      <p:sp>
-        <p:nvSpPr>
-          <p:cNvPr id="7" name="Date Placeholder 6"/>
+            <a:endParaRPr lang="en-SG"/>
+          </a:p>
+        </p:txBody>
+      </p:sp>
+      <p:sp>
+        <p:nvSpPr>
+          <p:cNvPr id="7" name="Date Placeholder 6">
+            <a:extLst>
+              <a:ext uri="{FF2B5EF4-FFF2-40B4-BE49-F238E27FC236}">
+                <a16:creationId xmlns:a16="http://schemas.microsoft.com/office/drawing/2014/main" id="{2D211A0D-32F1-4FBD-AC42-279474D6BFA4}"/>
+              </a:ext>
+            </a:extLst>
+          </p:cNvPr>
           <p:cNvSpPr>
             <a:spLocks noGrp="1"/>
           </p:cNvSpPr>
@@ -2119,17 +1839,23 @@
           <a:bodyPr/>
           <a:lstStyle/>
           <a:p>
-            <a:fld id="{78C97017-6FC3-485B-9764-EAC9E56C1D49}" type="datetimeFigureOut">
-              <a:rPr lang="en-US" smtClean="0"/>
-              <a:t>7/21/17</a:t>
+            <a:fld id="{5A3BE7D4-C6FA-462D-8EFC-CA4C002ED0A4}" type="datetimeFigureOut">
+              <a:rPr lang="en-SG" smtClean="0"/>
+              <a:t>14/4/2018</a:t>
             </a:fld>
-            <a:endParaRPr lang="en-US"/>
-          </a:p>
-        </p:txBody>
-      </p:sp>
-      <p:sp>
-        <p:nvSpPr>
-          <p:cNvPr id="8" name="Footer Placeholder 7"/>
+            <a:endParaRPr lang="en-SG"/>
+          </a:p>
+        </p:txBody>
+      </p:sp>
+      <p:sp>
+        <p:nvSpPr>
+          <p:cNvPr id="8" name="Footer Placeholder 7">
+            <a:extLst>
+              <a:ext uri="{FF2B5EF4-FFF2-40B4-BE49-F238E27FC236}">
+                <a16:creationId xmlns:a16="http://schemas.microsoft.com/office/drawing/2014/main" id="{26437E66-D3A7-4DD9-A3C1-7BF06F93CCBD}"/>
+              </a:ext>
+            </a:extLst>
+          </p:cNvPr>
           <p:cNvSpPr>
             <a:spLocks noGrp="1"/>
           </p:cNvSpPr>
@@ -2142,13 +1868,19 @@
           <a:bodyPr/>
           <a:lstStyle/>
           <a:p>
-            <a:endParaRPr lang="en-US"/>
-          </a:p>
-        </p:txBody>
-      </p:sp>
-      <p:sp>
-        <p:nvSpPr>
-          <p:cNvPr id="9" name="Slide Number Placeholder 8"/>
+            <a:endParaRPr lang="en-SG"/>
+          </a:p>
+        </p:txBody>
+      </p:sp>
+      <p:sp>
+        <p:nvSpPr>
+          <p:cNvPr id="9" name="Slide Number Placeholder 8">
+            <a:extLst>
+              <a:ext uri="{FF2B5EF4-FFF2-40B4-BE49-F238E27FC236}">
+                <a16:creationId xmlns:a16="http://schemas.microsoft.com/office/drawing/2014/main" id="{6883010A-3E5D-44F6-B4D3-1911AD527F84}"/>
+              </a:ext>
+            </a:extLst>
+          </p:cNvPr>
           <p:cNvSpPr>
             <a:spLocks noGrp="1"/>
           </p:cNvSpPr>
@@ -2161,18 +1893,18 @@
           <a:bodyPr/>
           <a:lstStyle/>
           <a:p>
-            <a:fld id="{FB34683C-161B-4520-BF45-B179E228CF2A}" type="slidenum">
-              <a:rPr lang="en-US" smtClean="0"/>
+            <a:fld id="{4210DC9C-588E-433F-A25E-848E002F5F58}" type="slidenum">
+              <a:rPr lang="en-SG" smtClean="0"/>
               <a:t>‹#›</a:t>
             </a:fld>
-            <a:endParaRPr lang="en-US"/>
+            <a:endParaRPr lang="en-SG"/>
           </a:p>
         </p:txBody>
       </p:sp>
     </p:spTree>
     <p:extLst>
       <p:ext uri="{BB962C8B-B14F-4D97-AF65-F5344CB8AC3E}">
-        <p14:creationId xmlns:p14="http://schemas.microsoft.com/office/powerpoint/2010/main" val="1126424250"/>
+        <p14:creationId xmlns:p14="http://schemas.microsoft.com/office/powerpoint/2010/main" val="250015759"/>
       </p:ext>
     </p:extLst>
   </p:cSld>
@@ -2201,7 +1933,13 @@
       </p:grpSpPr>
       <p:sp>
         <p:nvSpPr>
-          <p:cNvPr id="2" name="Title 1"/>
+          <p:cNvPr id="2" name="Title 1">
+            <a:extLst>
+              <a:ext uri="{FF2B5EF4-FFF2-40B4-BE49-F238E27FC236}">
+                <a16:creationId xmlns:a16="http://schemas.microsoft.com/office/drawing/2014/main" id="{50083B63-7C2F-48BE-B2AC-0A725EA7B34C}"/>
+              </a:ext>
+            </a:extLst>
+          </p:cNvPr>
           <p:cNvSpPr>
             <a:spLocks noGrp="1"/>
           </p:cNvSpPr>
@@ -2218,12 +1956,19 @@
               <a:rPr lang="en-US"/>
               <a:t>Click to edit Master title style</a:t>
             </a:r>
-          </a:p>
-        </p:txBody>
-      </p:sp>
-      <p:sp>
-        <p:nvSpPr>
-          <p:cNvPr id="3" name="Date Placeholder 2"/>
+            <a:endParaRPr lang="en-SG"/>
+          </a:p>
+        </p:txBody>
+      </p:sp>
+      <p:sp>
+        <p:nvSpPr>
+          <p:cNvPr id="3" name="Date Placeholder 2">
+            <a:extLst>
+              <a:ext uri="{FF2B5EF4-FFF2-40B4-BE49-F238E27FC236}">
+                <a16:creationId xmlns:a16="http://schemas.microsoft.com/office/drawing/2014/main" id="{138097FF-F3DE-4DE2-8D4E-1C7D66504A35}"/>
+              </a:ext>
+            </a:extLst>
+          </p:cNvPr>
           <p:cNvSpPr>
             <a:spLocks noGrp="1"/>
           </p:cNvSpPr>
@@ -2236,17 +1981,23 @@
           <a:bodyPr/>
           <a:lstStyle/>
           <a:p>
-            <a:fld id="{78C97017-6FC3-485B-9764-EAC9E56C1D49}" type="datetimeFigureOut">
-              <a:rPr lang="en-US" smtClean="0"/>
-              <a:t>7/21/17</a:t>
+            <a:fld id="{5A3BE7D4-C6FA-462D-8EFC-CA4C002ED0A4}" type="datetimeFigureOut">
+              <a:rPr lang="en-SG" smtClean="0"/>
+              <a:t>14/4/2018</a:t>
             </a:fld>
-            <a:endParaRPr lang="en-US"/>
-          </a:p>
-        </p:txBody>
-      </p:sp>
-      <p:sp>
-        <p:nvSpPr>
-          <p:cNvPr id="4" name="Footer Placeholder 3"/>
+            <a:endParaRPr lang="en-SG"/>
+          </a:p>
+        </p:txBody>
+      </p:sp>
+      <p:sp>
+        <p:nvSpPr>
+          <p:cNvPr id="4" name="Footer Placeholder 3">
+            <a:extLst>
+              <a:ext uri="{FF2B5EF4-FFF2-40B4-BE49-F238E27FC236}">
+                <a16:creationId xmlns:a16="http://schemas.microsoft.com/office/drawing/2014/main" id="{D6483A4A-9AAE-496B-880A-8C1CA92AF30E}"/>
+              </a:ext>
+            </a:extLst>
+          </p:cNvPr>
           <p:cNvSpPr>
             <a:spLocks noGrp="1"/>
           </p:cNvSpPr>
@@ -2259,13 +2010,19 @@
           <a:bodyPr/>
           <a:lstStyle/>
           <a:p>
-            <a:endParaRPr lang="en-US"/>
-          </a:p>
-        </p:txBody>
-      </p:sp>
-      <p:sp>
-        <p:nvSpPr>
-          <p:cNvPr id="5" name="Slide Number Placeholder 4"/>
+            <a:endParaRPr lang="en-SG"/>
+          </a:p>
+        </p:txBody>
+      </p:sp>
+      <p:sp>
+        <p:nvSpPr>
+          <p:cNvPr id="5" name="Slide Number Placeholder 4">
+            <a:extLst>
+              <a:ext uri="{FF2B5EF4-FFF2-40B4-BE49-F238E27FC236}">
+                <a16:creationId xmlns:a16="http://schemas.microsoft.com/office/drawing/2014/main" id="{622D7D98-0322-4255-BE9E-B81EFF45481D}"/>
+              </a:ext>
+            </a:extLst>
+          </p:cNvPr>
           <p:cNvSpPr>
             <a:spLocks noGrp="1"/>
           </p:cNvSpPr>
@@ -2278,18 +2035,18 @@
           <a:bodyPr/>
           <a:lstStyle/>
           <a:p>
-            <a:fld id="{FB34683C-161B-4520-BF45-B179E228CF2A}" type="slidenum">
-              <a:rPr lang="en-US" smtClean="0"/>
+            <a:fld id="{4210DC9C-588E-433F-A25E-848E002F5F58}" type="slidenum">
+              <a:rPr lang="en-SG" smtClean="0"/>
               <a:t>‹#›</a:t>
             </a:fld>
-            <a:endParaRPr lang="en-US"/>
+            <a:endParaRPr lang="en-SG"/>
           </a:p>
         </p:txBody>
       </p:sp>
     </p:spTree>
     <p:extLst>
       <p:ext uri="{BB962C8B-B14F-4D97-AF65-F5344CB8AC3E}">
-        <p14:creationId xmlns:p14="http://schemas.microsoft.com/office/powerpoint/2010/main" val="4159724230"/>
+        <p14:creationId xmlns:p14="http://schemas.microsoft.com/office/powerpoint/2010/main" val="1484158641"/>
       </p:ext>
     </p:extLst>
   </p:cSld>
@@ -2318,7 +2075,13 @@
       </p:grpSpPr>
       <p:sp>
         <p:nvSpPr>
-          <p:cNvPr id="2" name="Date Placeholder 1"/>
+          <p:cNvPr id="2" name="Date Placeholder 1">
+            <a:extLst>
+              <a:ext uri="{FF2B5EF4-FFF2-40B4-BE49-F238E27FC236}">
+                <a16:creationId xmlns:a16="http://schemas.microsoft.com/office/drawing/2014/main" id="{B20E19F3-1545-489B-B180-1CDE0151E87E}"/>
+              </a:ext>
+            </a:extLst>
+          </p:cNvPr>
           <p:cNvSpPr>
             <a:spLocks noGrp="1"/>
           </p:cNvSpPr>
@@ -2331,17 +2094,23 @@
           <a:bodyPr/>
           <a:lstStyle/>
           <a:p>
-            <a:fld id="{78C97017-6FC3-485B-9764-EAC9E56C1D49}" type="datetimeFigureOut">
-              <a:rPr lang="en-US" smtClean="0"/>
-              <a:t>7/21/17</a:t>
+            <a:fld id="{5A3BE7D4-C6FA-462D-8EFC-CA4C002ED0A4}" type="datetimeFigureOut">
+              <a:rPr lang="en-SG" smtClean="0"/>
+              <a:t>14/4/2018</a:t>
             </a:fld>
-            <a:endParaRPr lang="en-US"/>
-          </a:p>
-        </p:txBody>
-      </p:sp>
-      <p:sp>
-        <p:nvSpPr>
-          <p:cNvPr id="3" name="Footer Placeholder 2"/>
+            <a:endParaRPr lang="en-SG"/>
+          </a:p>
+        </p:txBody>
+      </p:sp>
+      <p:sp>
+        <p:nvSpPr>
+          <p:cNvPr id="3" name="Footer Placeholder 2">
+            <a:extLst>
+              <a:ext uri="{FF2B5EF4-FFF2-40B4-BE49-F238E27FC236}">
+                <a16:creationId xmlns:a16="http://schemas.microsoft.com/office/drawing/2014/main" id="{968B9020-D829-42DA-AC6F-4B9A8F274322}"/>
+              </a:ext>
+            </a:extLst>
+          </p:cNvPr>
           <p:cNvSpPr>
             <a:spLocks noGrp="1"/>
           </p:cNvSpPr>
@@ -2354,13 +2123,19 @@
           <a:bodyPr/>
           <a:lstStyle/>
           <a:p>
-            <a:endParaRPr lang="en-US"/>
-          </a:p>
-        </p:txBody>
-      </p:sp>
-      <p:sp>
-        <p:nvSpPr>
-          <p:cNvPr id="4" name="Slide Number Placeholder 3"/>
+            <a:endParaRPr lang="en-SG"/>
+          </a:p>
+        </p:txBody>
+      </p:sp>
+      <p:sp>
+        <p:nvSpPr>
+          <p:cNvPr id="4" name="Slide Number Placeholder 3">
+            <a:extLst>
+              <a:ext uri="{FF2B5EF4-FFF2-40B4-BE49-F238E27FC236}">
+                <a16:creationId xmlns:a16="http://schemas.microsoft.com/office/drawing/2014/main" id="{56CBB0D0-BDDF-438E-BC94-B3DF5039B631}"/>
+              </a:ext>
+            </a:extLst>
+          </p:cNvPr>
           <p:cNvSpPr>
             <a:spLocks noGrp="1"/>
           </p:cNvSpPr>
@@ -2373,18 +2148,18 @@
           <a:bodyPr/>
           <a:lstStyle/>
           <a:p>
-            <a:fld id="{FB34683C-161B-4520-BF45-B179E228CF2A}" type="slidenum">
-              <a:rPr lang="en-US" smtClean="0"/>
+            <a:fld id="{4210DC9C-588E-433F-A25E-848E002F5F58}" type="slidenum">
+              <a:rPr lang="en-SG" smtClean="0"/>
               <a:t>‹#›</a:t>
             </a:fld>
-            <a:endParaRPr lang="en-US"/>
+            <a:endParaRPr lang="en-SG"/>
           </a:p>
         </p:txBody>
       </p:sp>
     </p:spTree>
     <p:extLst>
       <p:ext uri="{BB962C8B-B14F-4D97-AF65-F5344CB8AC3E}">
-        <p14:creationId xmlns:p14="http://schemas.microsoft.com/office/powerpoint/2010/main" val="1793928710"/>
+        <p14:creationId xmlns:p14="http://schemas.microsoft.com/office/powerpoint/2010/main" val="1863042060"/>
       </p:ext>
     </p:extLst>
   </p:cSld>
@@ -2413,7 +2188,13 @@
       </p:grpSpPr>
       <p:sp>
         <p:nvSpPr>
-          <p:cNvPr id="2" name="Title 1"/>
+          <p:cNvPr id="2" name="Title 1">
+            <a:extLst>
+              <a:ext uri="{FF2B5EF4-FFF2-40B4-BE49-F238E27FC236}">
+                <a16:creationId xmlns:a16="http://schemas.microsoft.com/office/drawing/2014/main" id="{3980239B-9D41-485B-A454-A25252AF2CD4}"/>
+              </a:ext>
+            </a:extLst>
+          </p:cNvPr>
           <p:cNvSpPr>
             <a:spLocks noGrp="1"/>
           </p:cNvSpPr>
@@ -2423,15 +2204,15 @@
         </p:nvSpPr>
         <p:spPr>
           <a:xfrm>
-            <a:off x="457200" y="273050"/>
-            <a:ext cx="3008313" cy="1162050"/>
+            <a:off x="839788" y="457200"/>
+            <a:ext cx="3932237" cy="1600200"/>
           </a:xfrm>
         </p:spPr>
         <p:txBody>
           <a:bodyPr anchor="b"/>
           <a:lstStyle>
-            <a:lvl1pPr algn="l">
-              <a:defRPr sz="2000" b="1"/>
+            <a:lvl1pPr>
+              <a:defRPr sz="3200"/>
             </a:lvl1pPr>
           </a:lstStyle>
           <a:p>
@@ -2439,12 +2220,19 @@
               <a:rPr lang="en-US"/>
               <a:t>Click to edit Master title style</a:t>
             </a:r>
-          </a:p>
-        </p:txBody>
-      </p:sp>
-      <p:sp>
-        <p:nvSpPr>
-          <p:cNvPr id="3" name="Content Placeholder 2"/>
+            <a:endParaRPr lang="en-SG"/>
+          </a:p>
+        </p:txBody>
+      </p:sp>
+      <p:sp>
+        <p:nvSpPr>
+          <p:cNvPr id="3" name="Content Placeholder 2">
+            <a:extLst>
+              <a:ext uri="{FF2B5EF4-FFF2-40B4-BE49-F238E27FC236}">
+                <a16:creationId xmlns:a16="http://schemas.microsoft.com/office/drawing/2014/main" id="{4952CBD4-34B4-46A5-90FA-7CCF52E77884}"/>
+              </a:ext>
+            </a:extLst>
+          </p:cNvPr>
           <p:cNvSpPr>
             <a:spLocks noGrp="1"/>
           </p:cNvSpPr>
@@ -2454,8 +2242,8 @@
         </p:nvSpPr>
         <p:spPr>
           <a:xfrm>
-            <a:off x="3575050" y="273050"/>
-            <a:ext cx="5111750" cy="5853113"/>
+            <a:off x="5183188" y="987425"/>
+            <a:ext cx="6172200" cy="4873625"/>
           </a:xfrm>
         </p:spPr>
         <p:txBody>
@@ -2493,7 +2281,7 @@
             <a:pPr lvl="0"/>
             <a:r>
               <a:rPr lang="en-US"/>
-              <a:t>Click to edit Master text styles</a:t>
+              <a:t>Edit Master text styles</a:t>
             </a:r>
           </a:p>
           <a:p>
@@ -2523,12 +2311,19 @@
               <a:rPr lang="en-US"/>
               <a:t>Fifth level</a:t>
             </a:r>
-          </a:p>
-        </p:txBody>
-      </p:sp>
-      <p:sp>
-        <p:nvSpPr>
-          <p:cNvPr id="4" name="Text Placeholder 3"/>
+            <a:endParaRPr lang="en-SG"/>
+          </a:p>
+        </p:txBody>
+      </p:sp>
+      <p:sp>
+        <p:nvSpPr>
+          <p:cNvPr id="4" name="Text Placeholder 3">
+            <a:extLst>
+              <a:ext uri="{FF2B5EF4-FFF2-40B4-BE49-F238E27FC236}">
+                <a16:creationId xmlns:a16="http://schemas.microsoft.com/office/drawing/2014/main" id="{83D6DCB5-1219-46CA-BE55-43EB70BBF7BB}"/>
+              </a:ext>
+            </a:extLst>
+          </p:cNvPr>
           <p:cNvSpPr>
             <a:spLocks noGrp="1"/>
           </p:cNvSpPr>
@@ -2538,8 +2333,8 @@
         </p:nvSpPr>
         <p:spPr>
           <a:xfrm>
-            <a:off x="457200" y="1435100"/>
-            <a:ext cx="3008313" cy="4691063"/>
+            <a:off x="839788" y="2057400"/>
+            <a:ext cx="3932237" cy="3811588"/>
           </a:xfrm>
         </p:spPr>
         <p:txBody>
@@ -2547,53 +2342,59 @@
           <a:lstStyle>
             <a:lvl1pPr marL="0" indent="0">
               <a:buNone/>
-              <a:defRPr sz="1400"/>
+              <a:defRPr sz="1600"/>
             </a:lvl1pPr>
             <a:lvl2pPr marL="457200" indent="0">
               <a:buNone/>
-              <a:defRPr sz="1200"/>
+              <a:defRPr sz="1400"/>
             </a:lvl2pPr>
             <a:lvl3pPr marL="914400" indent="0">
               <a:buNone/>
-              <a:defRPr sz="1000"/>
+              <a:defRPr sz="1200"/>
             </a:lvl3pPr>
             <a:lvl4pPr marL="1371600" indent="0">
               <a:buNone/>
-              <a:defRPr sz="900"/>
+              <a:defRPr sz="1000"/>
             </a:lvl4pPr>
             <a:lvl5pPr marL="1828800" indent="0">
               <a:buNone/>
-              <a:defRPr sz="900"/>
+              <a:defRPr sz="1000"/>
             </a:lvl5pPr>
             <a:lvl6pPr marL="2286000" indent="0">
               <a:buNone/>
-              <a:defRPr sz="900"/>
+              <a:defRPr sz="1000"/>
             </a:lvl6pPr>
             <a:lvl7pPr marL="2743200" indent="0">
               <a:buNone/>
-              <a:defRPr sz="900"/>
+              <a:defRPr sz="1000"/>
             </a:lvl7pPr>
             <a:lvl8pPr marL="3200400" indent="0">
               <a:buNone/>
-              <a:defRPr sz="900"/>
+              <a:defRPr sz="1000"/>
             </a:lvl8pPr>
             <a:lvl9pPr marL="3657600" indent="0">
               <a:buNone/>
-              <a:defRPr sz="900"/>
+              <a:defRPr sz="1000"/>
             </a:lvl9pPr>
           </a:lstStyle>
           <a:p>
             <a:pPr lvl="0"/>
             <a:r>
               <a:rPr lang="en-US"/>
-              <a:t>Click to edit Master text styles</a:t>
-            </a:r>
-          </a:p>
-        </p:txBody>
-      </p:sp>
-      <p:sp>
-        <p:nvSpPr>
-          <p:cNvPr id="5" name="Date Placeholder 4"/>
+              <a:t>Edit Master text styles</a:t>
+            </a:r>
+          </a:p>
+        </p:txBody>
+      </p:sp>
+      <p:sp>
+        <p:nvSpPr>
+          <p:cNvPr id="5" name="Date Placeholder 4">
+            <a:extLst>
+              <a:ext uri="{FF2B5EF4-FFF2-40B4-BE49-F238E27FC236}">
+                <a16:creationId xmlns:a16="http://schemas.microsoft.com/office/drawing/2014/main" id="{B6F52E53-4CB0-4914-B6CE-FD07C9FF48BF}"/>
+              </a:ext>
+            </a:extLst>
+          </p:cNvPr>
           <p:cNvSpPr>
             <a:spLocks noGrp="1"/>
           </p:cNvSpPr>
@@ -2606,17 +2407,23 @@
           <a:bodyPr/>
           <a:lstStyle/>
           <a:p>
-            <a:fld id="{78C97017-6FC3-485B-9764-EAC9E56C1D49}" type="datetimeFigureOut">
-              <a:rPr lang="en-US" smtClean="0"/>
-              <a:t>7/21/17</a:t>
+            <a:fld id="{5A3BE7D4-C6FA-462D-8EFC-CA4C002ED0A4}" type="datetimeFigureOut">
+              <a:rPr lang="en-SG" smtClean="0"/>
+              <a:t>14/4/2018</a:t>
             </a:fld>
-            <a:endParaRPr lang="en-US"/>
-          </a:p>
-        </p:txBody>
-      </p:sp>
-      <p:sp>
-        <p:nvSpPr>
-          <p:cNvPr id="6" name="Footer Placeholder 5"/>
+            <a:endParaRPr lang="en-SG"/>
+          </a:p>
+        </p:txBody>
+      </p:sp>
+      <p:sp>
+        <p:nvSpPr>
+          <p:cNvPr id="6" name="Footer Placeholder 5">
+            <a:extLst>
+              <a:ext uri="{FF2B5EF4-FFF2-40B4-BE49-F238E27FC236}">
+                <a16:creationId xmlns:a16="http://schemas.microsoft.com/office/drawing/2014/main" id="{7DC67D8E-4991-40B9-A602-7A903F41867A}"/>
+              </a:ext>
+            </a:extLst>
+          </p:cNvPr>
           <p:cNvSpPr>
             <a:spLocks noGrp="1"/>
           </p:cNvSpPr>
@@ -2629,13 +2436,19 @@
           <a:bodyPr/>
           <a:lstStyle/>
           <a:p>
-            <a:endParaRPr lang="en-US"/>
-          </a:p>
-        </p:txBody>
-      </p:sp>
-      <p:sp>
-        <p:nvSpPr>
-          <p:cNvPr id="7" name="Slide Number Placeholder 6"/>
+            <a:endParaRPr lang="en-SG"/>
+          </a:p>
+        </p:txBody>
+      </p:sp>
+      <p:sp>
+        <p:nvSpPr>
+          <p:cNvPr id="7" name="Slide Number Placeholder 6">
+            <a:extLst>
+              <a:ext uri="{FF2B5EF4-FFF2-40B4-BE49-F238E27FC236}">
+                <a16:creationId xmlns:a16="http://schemas.microsoft.com/office/drawing/2014/main" id="{F8B02B90-D440-49DB-B052-DB46306916D3}"/>
+              </a:ext>
+            </a:extLst>
+          </p:cNvPr>
           <p:cNvSpPr>
             <a:spLocks noGrp="1"/>
           </p:cNvSpPr>
@@ -2648,18 +2461,18 @@
           <a:bodyPr/>
           <a:lstStyle/>
           <a:p>
-            <a:fld id="{FB34683C-161B-4520-BF45-B179E228CF2A}" type="slidenum">
-              <a:rPr lang="en-US" smtClean="0"/>
+            <a:fld id="{4210DC9C-588E-433F-A25E-848E002F5F58}" type="slidenum">
+              <a:rPr lang="en-SG" smtClean="0"/>
               <a:t>‹#›</a:t>
             </a:fld>
-            <a:endParaRPr lang="en-US"/>
+            <a:endParaRPr lang="en-SG"/>
           </a:p>
         </p:txBody>
       </p:sp>
     </p:spTree>
     <p:extLst>
       <p:ext uri="{BB962C8B-B14F-4D97-AF65-F5344CB8AC3E}">
-        <p14:creationId xmlns:p14="http://schemas.microsoft.com/office/powerpoint/2010/main" val="2076802089"/>
+        <p14:creationId xmlns:p14="http://schemas.microsoft.com/office/powerpoint/2010/main" val="2480745226"/>
       </p:ext>
     </p:extLst>
   </p:cSld>
@@ -2688,7 +2501,13 @@
       </p:grpSpPr>
       <p:sp>
         <p:nvSpPr>
-          <p:cNvPr id="2" name="Title 1"/>
+          <p:cNvPr id="2" name="Title 1">
+            <a:extLst>
+              <a:ext uri="{FF2B5EF4-FFF2-40B4-BE49-F238E27FC236}">
+                <a16:creationId xmlns:a16="http://schemas.microsoft.com/office/drawing/2014/main" id="{65CDAB3F-F722-41F7-9414-F7CD856EABD8}"/>
+              </a:ext>
+            </a:extLst>
+          </p:cNvPr>
           <p:cNvSpPr>
             <a:spLocks noGrp="1"/>
           </p:cNvSpPr>
@@ -2698,15 +2517,15 @@
         </p:nvSpPr>
         <p:spPr>
           <a:xfrm>
-            <a:off x="1792288" y="4800600"/>
-            <a:ext cx="5486400" cy="566738"/>
+            <a:off x="839788" y="457200"/>
+            <a:ext cx="3932237" cy="1600200"/>
           </a:xfrm>
         </p:spPr>
         <p:txBody>
           <a:bodyPr anchor="b"/>
           <a:lstStyle>
-            <a:lvl1pPr algn="l">
-              <a:defRPr sz="2000" b="1"/>
+            <a:lvl1pPr>
+              <a:defRPr sz="3200"/>
             </a:lvl1pPr>
           </a:lstStyle>
           <a:p>
@@ -2714,12 +2533,19 @@
               <a:rPr lang="en-US"/>
               <a:t>Click to edit Master title style</a:t>
             </a:r>
-          </a:p>
-        </p:txBody>
-      </p:sp>
-      <p:sp>
-        <p:nvSpPr>
-          <p:cNvPr id="3" name="Picture Placeholder 2"/>
+            <a:endParaRPr lang="en-SG"/>
+          </a:p>
+        </p:txBody>
+      </p:sp>
+      <p:sp>
+        <p:nvSpPr>
+          <p:cNvPr id="3" name="Picture Placeholder 2">
+            <a:extLst>
+              <a:ext uri="{FF2B5EF4-FFF2-40B4-BE49-F238E27FC236}">
+                <a16:creationId xmlns:a16="http://schemas.microsoft.com/office/drawing/2014/main" id="{FB0602FD-342B-4C29-9367-78E33DBEE980}"/>
+              </a:ext>
+            </a:extLst>
+          </p:cNvPr>
           <p:cNvSpPr>
             <a:spLocks noGrp="1"/>
           </p:cNvSpPr>
@@ -2729,8 +2555,8 @@
         </p:nvSpPr>
         <p:spPr>
           <a:xfrm>
-            <a:off x="1792288" y="612775"/>
-            <a:ext cx="5486400" cy="4114800"/>
+            <a:off x="5183188" y="987425"/>
+            <a:ext cx="6172200" cy="4873625"/>
           </a:xfrm>
         </p:spPr>
         <p:txBody>
@@ -2774,13 +2600,19 @@
             </a:lvl9pPr>
           </a:lstStyle>
           <a:p>
-            <a:endParaRPr lang="en-US"/>
-          </a:p>
-        </p:txBody>
-      </p:sp>
-      <p:sp>
-        <p:nvSpPr>
-          <p:cNvPr id="4" name="Text Placeholder 3"/>
+            <a:endParaRPr lang="en-SG"/>
+          </a:p>
+        </p:txBody>
+      </p:sp>
+      <p:sp>
+        <p:nvSpPr>
+          <p:cNvPr id="4" name="Text Placeholder 3">
+            <a:extLst>
+              <a:ext uri="{FF2B5EF4-FFF2-40B4-BE49-F238E27FC236}">
+                <a16:creationId xmlns:a16="http://schemas.microsoft.com/office/drawing/2014/main" id="{F9F0D7BA-E7DA-40B2-9E46-6FAAB71ABF6C}"/>
+              </a:ext>
+            </a:extLst>
+          </p:cNvPr>
           <p:cNvSpPr>
             <a:spLocks noGrp="1"/>
           </p:cNvSpPr>
@@ -2790,8 +2622,8 @@
         </p:nvSpPr>
         <p:spPr>
           <a:xfrm>
-            <a:off x="1792288" y="5367338"/>
-            <a:ext cx="5486400" cy="804862"/>
+            <a:off x="839788" y="2057400"/>
+            <a:ext cx="3932237" cy="3811588"/>
           </a:xfrm>
         </p:spPr>
         <p:txBody>
@@ -2799,53 +2631,59 @@
           <a:lstStyle>
             <a:lvl1pPr marL="0" indent="0">
               <a:buNone/>
-              <a:defRPr sz="1400"/>
+              <a:defRPr sz="1600"/>
             </a:lvl1pPr>
             <a:lvl2pPr marL="457200" indent="0">
               <a:buNone/>
-              <a:defRPr sz="1200"/>
+              <a:defRPr sz="1400"/>
             </a:lvl2pPr>
             <a:lvl3pPr marL="914400" indent="0">
               <a:buNone/>
-              <a:defRPr sz="1000"/>
+              <a:defRPr sz="1200"/>
             </a:lvl3pPr>
             <a:lvl4pPr marL="1371600" indent="0">
               <a:buNone/>
-              <a:defRPr sz="900"/>
+              <a:defRPr sz="1000"/>
             </a:lvl4pPr>
             <a:lvl5pPr marL="1828800" indent="0">
               <a:buNone/>
-              <a:defRPr sz="900"/>
+              <a:defRPr sz="1000"/>
             </a:lvl5pPr>
             <a:lvl6pPr marL="2286000" indent="0">
               <a:buNone/>
-              <a:defRPr sz="900"/>
+              <a:defRPr sz="1000"/>
             </a:lvl6pPr>
             <a:lvl7pPr marL="2743200" indent="0">
               <a:buNone/>
-              <a:defRPr sz="900"/>
+              <a:defRPr sz="1000"/>
             </a:lvl7pPr>
             <a:lvl8pPr marL="3200400" indent="0">
               <a:buNone/>
-              <a:defRPr sz="900"/>
+              <a:defRPr sz="1000"/>
             </a:lvl8pPr>
             <a:lvl9pPr marL="3657600" indent="0">
               <a:buNone/>
-              <a:defRPr sz="900"/>
+              <a:defRPr sz="1000"/>
             </a:lvl9pPr>
           </a:lstStyle>
           <a:p>
             <a:pPr lvl="0"/>
             <a:r>
               <a:rPr lang="en-US"/>
-              <a:t>Click to edit Master text styles</a:t>
-            </a:r>
-          </a:p>
-        </p:txBody>
-      </p:sp>
-      <p:sp>
-        <p:nvSpPr>
-          <p:cNvPr id="5" name="Date Placeholder 4"/>
+              <a:t>Edit Master text styles</a:t>
+            </a:r>
+          </a:p>
+        </p:txBody>
+      </p:sp>
+      <p:sp>
+        <p:nvSpPr>
+          <p:cNvPr id="5" name="Date Placeholder 4">
+            <a:extLst>
+              <a:ext uri="{FF2B5EF4-FFF2-40B4-BE49-F238E27FC236}">
+                <a16:creationId xmlns:a16="http://schemas.microsoft.com/office/drawing/2014/main" id="{24138535-05D3-48A8-862A-C7468F608D89}"/>
+              </a:ext>
+            </a:extLst>
+          </p:cNvPr>
           <p:cNvSpPr>
             <a:spLocks noGrp="1"/>
           </p:cNvSpPr>
@@ -2858,17 +2696,23 @@
           <a:bodyPr/>
           <a:lstStyle/>
           <a:p>
-            <a:fld id="{78C97017-6FC3-485B-9764-EAC9E56C1D49}" type="datetimeFigureOut">
-              <a:rPr lang="en-US" smtClean="0"/>
-              <a:t>7/21/17</a:t>
+            <a:fld id="{5A3BE7D4-C6FA-462D-8EFC-CA4C002ED0A4}" type="datetimeFigureOut">
+              <a:rPr lang="en-SG" smtClean="0"/>
+              <a:t>14/4/2018</a:t>
             </a:fld>
-            <a:endParaRPr lang="en-US"/>
-          </a:p>
-        </p:txBody>
-      </p:sp>
-      <p:sp>
-        <p:nvSpPr>
-          <p:cNvPr id="6" name="Footer Placeholder 5"/>
+            <a:endParaRPr lang="en-SG"/>
+          </a:p>
+        </p:txBody>
+      </p:sp>
+      <p:sp>
+        <p:nvSpPr>
+          <p:cNvPr id="6" name="Footer Placeholder 5">
+            <a:extLst>
+              <a:ext uri="{FF2B5EF4-FFF2-40B4-BE49-F238E27FC236}">
+                <a16:creationId xmlns:a16="http://schemas.microsoft.com/office/drawing/2014/main" id="{02AA2DAA-3726-4DBC-A9E0-01D0A2429384}"/>
+              </a:ext>
+            </a:extLst>
+          </p:cNvPr>
           <p:cNvSpPr>
             <a:spLocks noGrp="1"/>
           </p:cNvSpPr>
@@ -2881,13 +2725,19 @@
           <a:bodyPr/>
           <a:lstStyle/>
           <a:p>
-            <a:endParaRPr lang="en-US"/>
-          </a:p>
-        </p:txBody>
-      </p:sp>
-      <p:sp>
-        <p:nvSpPr>
-          <p:cNvPr id="7" name="Slide Number Placeholder 6"/>
+            <a:endParaRPr lang="en-SG"/>
+          </a:p>
+        </p:txBody>
+      </p:sp>
+      <p:sp>
+        <p:nvSpPr>
+          <p:cNvPr id="7" name="Slide Number Placeholder 6">
+            <a:extLst>
+              <a:ext uri="{FF2B5EF4-FFF2-40B4-BE49-F238E27FC236}">
+                <a16:creationId xmlns:a16="http://schemas.microsoft.com/office/drawing/2014/main" id="{2D9D2AA1-CB6F-44E1-86D1-0A5D6049A4DB}"/>
+              </a:ext>
+            </a:extLst>
+          </p:cNvPr>
           <p:cNvSpPr>
             <a:spLocks noGrp="1"/>
           </p:cNvSpPr>
@@ -2900,18 +2750,18 @@
           <a:bodyPr/>
           <a:lstStyle/>
           <a:p>
-            <a:fld id="{FB34683C-161B-4520-BF45-B179E228CF2A}" type="slidenum">
-              <a:rPr lang="en-US" smtClean="0"/>
+            <a:fld id="{4210DC9C-588E-433F-A25E-848E002F5F58}" type="slidenum">
+              <a:rPr lang="en-SG" smtClean="0"/>
               <a:t>‹#›</a:t>
             </a:fld>
-            <a:endParaRPr lang="en-US"/>
+            <a:endParaRPr lang="en-SG"/>
           </a:p>
         </p:txBody>
       </p:sp>
     </p:spTree>
     <p:extLst>
       <p:ext uri="{BB962C8B-B14F-4D97-AF65-F5344CB8AC3E}">
-        <p14:creationId xmlns:p14="http://schemas.microsoft.com/office/powerpoint/2010/main" val="201835938"/>
+        <p14:creationId xmlns:p14="http://schemas.microsoft.com/office/powerpoint/2010/main" val="260590679"/>
       </p:ext>
     </p:extLst>
   </p:cSld>
@@ -2945,7 +2795,13 @@
       </p:grpSpPr>
       <p:sp>
         <p:nvSpPr>
-          <p:cNvPr id="2" name="Title Placeholder 1"/>
+          <p:cNvPr id="2" name="Title Placeholder 1">
+            <a:extLst>
+              <a:ext uri="{FF2B5EF4-FFF2-40B4-BE49-F238E27FC236}">
+                <a16:creationId xmlns:a16="http://schemas.microsoft.com/office/drawing/2014/main" id="{732A2BF7-D2B6-4744-A1FB-35ADEEDE26C9}"/>
+              </a:ext>
+            </a:extLst>
+          </p:cNvPr>
           <p:cNvSpPr>
             <a:spLocks noGrp="1"/>
           </p:cNvSpPr>
@@ -2955,8 +2811,8 @@
         </p:nvSpPr>
         <p:spPr>
           <a:xfrm>
-            <a:off x="457200" y="274638"/>
-            <a:ext cx="8229600" cy="1143000"/>
+            <a:off x="838200" y="365125"/>
+            <a:ext cx="10515600" cy="1325563"/>
           </a:xfrm>
           <a:prstGeom prst="rect">
             <a:avLst/>
@@ -2972,12 +2828,19 @@
               <a:rPr lang="en-US"/>
               <a:t>Click to edit Master title style</a:t>
             </a:r>
-          </a:p>
-        </p:txBody>
-      </p:sp>
-      <p:sp>
-        <p:nvSpPr>
-          <p:cNvPr id="3" name="Text Placeholder 2"/>
+            <a:endParaRPr lang="en-SG"/>
+          </a:p>
+        </p:txBody>
+      </p:sp>
+      <p:sp>
+        <p:nvSpPr>
+          <p:cNvPr id="3" name="Text Placeholder 2">
+            <a:extLst>
+              <a:ext uri="{FF2B5EF4-FFF2-40B4-BE49-F238E27FC236}">
+                <a16:creationId xmlns:a16="http://schemas.microsoft.com/office/drawing/2014/main" id="{9A9B86A0-67D2-4B22-9EAD-40359B568369}"/>
+              </a:ext>
+            </a:extLst>
+          </p:cNvPr>
           <p:cNvSpPr>
             <a:spLocks noGrp="1"/>
           </p:cNvSpPr>
@@ -2987,8 +2850,8 @@
         </p:nvSpPr>
         <p:spPr>
           <a:xfrm>
-            <a:off x="457200" y="1600200"/>
-            <a:ext cx="8229600" cy="4525963"/>
+            <a:off x="838200" y="1825625"/>
+            <a:ext cx="10515600" cy="4351338"/>
           </a:xfrm>
           <a:prstGeom prst="rect">
             <a:avLst/>
@@ -3003,7 +2866,7 @@
             <a:pPr lvl="0"/>
             <a:r>
               <a:rPr lang="en-US"/>
-              <a:t>Click to edit Master text styles</a:t>
+              <a:t>Edit Master text styles</a:t>
             </a:r>
           </a:p>
           <a:p>
@@ -3033,12 +2896,19 @@
               <a:rPr lang="en-US"/>
               <a:t>Fifth level</a:t>
             </a:r>
-          </a:p>
-        </p:txBody>
-      </p:sp>
-      <p:sp>
-        <p:nvSpPr>
-          <p:cNvPr id="4" name="Date Placeholder 3"/>
+            <a:endParaRPr lang="en-SG"/>
+          </a:p>
+        </p:txBody>
+      </p:sp>
+      <p:sp>
+        <p:nvSpPr>
+          <p:cNvPr id="4" name="Date Placeholder 3">
+            <a:extLst>
+              <a:ext uri="{FF2B5EF4-FFF2-40B4-BE49-F238E27FC236}">
+                <a16:creationId xmlns:a16="http://schemas.microsoft.com/office/drawing/2014/main" id="{AA6B1E46-6809-4F4D-B58F-446E6283AF1F}"/>
+              </a:ext>
+            </a:extLst>
+          </p:cNvPr>
           <p:cNvSpPr>
             <a:spLocks noGrp="1"/>
           </p:cNvSpPr>
@@ -3048,8 +2918,8 @@
         </p:nvSpPr>
         <p:spPr>
           <a:xfrm>
-            <a:off x="457200" y="6356350"/>
-            <a:ext cx="2133600" cy="365125"/>
+            <a:off x="838200" y="6356350"/>
+            <a:ext cx="2743200" cy="365125"/>
           </a:xfrm>
           <a:prstGeom prst="rect">
             <a:avLst/>
@@ -3069,17 +2939,23 @@
             </a:lvl1pPr>
           </a:lstStyle>
           <a:p>
-            <a:fld id="{78C97017-6FC3-485B-9764-EAC9E56C1D49}" type="datetimeFigureOut">
-              <a:rPr lang="en-US" smtClean="0"/>
-              <a:t>7/21/17</a:t>
+            <a:fld id="{5A3BE7D4-C6FA-462D-8EFC-CA4C002ED0A4}" type="datetimeFigureOut">
+              <a:rPr lang="en-SG" smtClean="0"/>
+              <a:t>14/4/2018</a:t>
             </a:fld>
-            <a:endParaRPr lang="en-US"/>
-          </a:p>
-        </p:txBody>
-      </p:sp>
-      <p:sp>
-        <p:nvSpPr>
-          <p:cNvPr id="5" name="Footer Placeholder 4"/>
+            <a:endParaRPr lang="en-SG"/>
+          </a:p>
+        </p:txBody>
+      </p:sp>
+      <p:sp>
+        <p:nvSpPr>
+          <p:cNvPr id="5" name="Footer Placeholder 4">
+            <a:extLst>
+              <a:ext uri="{FF2B5EF4-FFF2-40B4-BE49-F238E27FC236}">
+                <a16:creationId xmlns:a16="http://schemas.microsoft.com/office/drawing/2014/main" id="{4160D78C-B916-4D54-B97F-02BFC4FDB621}"/>
+              </a:ext>
+            </a:extLst>
+          </p:cNvPr>
           <p:cNvSpPr>
             <a:spLocks noGrp="1"/>
           </p:cNvSpPr>
@@ -3089,8 +2965,8 @@
         </p:nvSpPr>
         <p:spPr>
           <a:xfrm>
-            <a:off x="3124200" y="6356350"/>
-            <a:ext cx="2895600" cy="365125"/>
+            <a:off x="4038600" y="6356350"/>
+            <a:ext cx="4114800" cy="365125"/>
           </a:xfrm>
           <a:prstGeom prst="rect">
             <a:avLst/>
@@ -3110,13 +2986,19 @@
             </a:lvl1pPr>
           </a:lstStyle>
           <a:p>
-            <a:endParaRPr lang="en-US"/>
-          </a:p>
-        </p:txBody>
-      </p:sp>
-      <p:sp>
-        <p:nvSpPr>
-          <p:cNvPr id="6" name="Slide Number Placeholder 5"/>
+            <a:endParaRPr lang="en-SG"/>
+          </a:p>
+        </p:txBody>
+      </p:sp>
+      <p:sp>
+        <p:nvSpPr>
+          <p:cNvPr id="6" name="Slide Number Placeholder 5">
+            <a:extLst>
+              <a:ext uri="{FF2B5EF4-FFF2-40B4-BE49-F238E27FC236}">
+                <a16:creationId xmlns:a16="http://schemas.microsoft.com/office/drawing/2014/main" id="{0A43022D-00E8-4D4B-9C61-A8F91CB2FC46}"/>
+              </a:ext>
+            </a:extLst>
+          </p:cNvPr>
           <p:cNvSpPr>
             <a:spLocks noGrp="1"/>
           </p:cNvSpPr>
@@ -3126,8 +3008,8 @@
         </p:nvSpPr>
         <p:spPr>
           <a:xfrm>
-            <a:off x="6553200" y="6356350"/>
-            <a:ext cx="2133600" cy="365125"/>
+            <a:off x="8610600" y="6356350"/>
+            <a:ext cx="2743200" cy="365125"/>
           </a:xfrm>
           <a:prstGeom prst="rect">
             <a:avLst/>
@@ -3147,18 +3029,18 @@
             </a:lvl1pPr>
           </a:lstStyle>
           <a:p>
-            <a:fld id="{FB34683C-161B-4520-BF45-B179E228CF2A}" type="slidenum">
-              <a:rPr lang="en-US" smtClean="0"/>
+            <a:fld id="{4210DC9C-588E-433F-A25E-848E002F5F58}" type="slidenum">
+              <a:rPr lang="en-SG" smtClean="0"/>
               <a:t>‹#›</a:t>
             </a:fld>
-            <a:endParaRPr lang="en-US"/>
+            <a:endParaRPr lang="en-SG"/>
           </a:p>
         </p:txBody>
       </p:sp>
     </p:spTree>
     <p:extLst>
       <p:ext uri="{BB962C8B-B14F-4D97-AF65-F5344CB8AC3E}">
-        <p14:creationId xmlns:p14="http://schemas.microsoft.com/office/powerpoint/2010/main" val="2341400630"/>
+        <p14:creationId xmlns:p14="http://schemas.microsoft.com/office/powerpoint/2010/main" val="2859354778"/>
       </p:ext>
     </p:extLst>
   </p:cSld>
@@ -3178,7 +3060,10 @@
   </p:sldLayoutIdLst>
   <p:txStyles>
     <p:titleStyle>
-      <a:lvl1pPr algn="ctr" defTabSz="914400" rtl="0" eaLnBrk="1" latinLnBrk="0" hangingPunct="1">
+      <a:lvl1pPr algn="l" defTabSz="914400" rtl="0" eaLnBrk="1" latinLnBrk="0" hangingPunct="1">
+        <a:lnSpc>
+          <a:spcPct val="90000"/>
+        </a:lnSpc>
         <a:spcBef>
           <a:spcPct val="0"/>
         </a:spcBef>
@@ -3194,13 +3079,16 @@
       </a:lvl1pPr>
     </p:titleStyle>
     <p:bodyStyle>
-      <a:lvl1pPr marL="342900" indent="-342900" algn="l" defTabSz="914400" rtl="0" eaLnBrk="1" latinLnBrk="0" hangingPunct="1">
+      <a:lvl1pPr marL="228600" indent="-228600" algn="l" defTabSz="914400" rtl="0" eaLnBrk="1" latinLnBrk="0" hangingPunct="1">
+        <a:lnSpc>
+          <a:spcPct val="90000"/>
+        </a:lnSpc>
         <a:spcBef>
-          <a:spcPct val="20000"/>
+          <a:spcPts val="1000"/>
         </a:spcBef>
         <a:buFont typeface="Arial" panose="020B0604020202020204" pitchFamily="34" charset="0"/>
         <a:buChar char="•"/>
-        <a:defRPr sz="3200" kern="1200">
+        <a:defRPr sz="2800" kern="1200">
           <a:solidFill>
             <a:schemeClr val="tx1"/>
           </a:solidFill>
@@ -3209,24 +3097,12 @@
           <a:cs typeface="+mn-cs"/>
         </a:defRPr>
       </a:lvl1pPr>
-      <a:lvl2pPr marL="742950" indent="-285750" algn="l" defTabSz="914400" rtl="0" eaLnBrk="1" latinLnBrk="0" hangingPunct="1">
+      <a:lvl2pPr marL="685800" indent="-228600" algn="l" defTabSz="914400" rtl="0" eaLnBrk="1" latinLnBrk="0" hangingPunct="1">
+        <a:lnSpc>
+          <a:spcPct val="90000"/>
+        </a:lnSpc>
         <a:spcBef>
-          <a:spcPct val="20000"/>
-        </a:spcBef>
-        <a:buFont typeface="Arial" panose="020B0604020202020204" pitchFamily="34" charset="0"/>
-        <a:buChar char="–"/>
-        <a:defRPr sz="2800" kern="1200">
-          <a:solidFill>
-            <a:schemeClr val="tx1"/>
-          </a:solidFill>
-          <a:latin typeface="+mn-lt"/>
-          <a:ea typeface="+mn-ea"/>
-          <a:cs typeface="+mn-cs"/>
-        </a:defRPr>
-      </a:lvl2pPr>
-      <a:lvl3pPr marL="1143000" indent="-228600" algn="l" defTabSz="914400" rtl="0" eaLnBrk="1" latinLnBrk="0" hangingPunct="1">
-        <a:spcBef>
-          <a:spcPct val="20000"/>
+          <a:spcPts val="500"/>
         </a:spcBef>
         <a:buFont typeface="Arial" panose="020B0604020202020204" pitchFamily="34" charset="0"/>
         <a:buChar char="•"/>
@@ -3238,40 +3114,13 @@
           <a:ea typeface="+mn-ea"/>
           <a:cs typeface="+mn-cs"/>
         </a:defRPr>
-      </a:lvl3pPr>
-      <a:lvl4pPr marL="1600200" indent="-228600" algn="l" defTabSz="914400" rtl="0" eaLnBrk="1" latinLnBrk="0" hangingPunct="1">
+      </a:lvl2pPr>
+      <a:lvl3pPr marL="1143000" indent="-228600" algn="l" defTabSz="914400" rtl="0" eaLnBrk="1" latinLnBrk="0" hangingPunct="1">
+        <a:lnSpc>
+          <a:spcPct val="90000"/>
+        </a:lnSpc>
         <a:spcBef>
-          <a:spcPct val="20000"/>
-        </a:spcBef>
-        <a:buFont typeface="Arial" panose="020B0604020202020204" pitchFamily="34" charset="0"/>
-        <a:buChar char="–"/>
-        <a:defRPr sz="2000" kern="1200">
-          <a:solidFill>
-            <a:schemeClr val="tx1"/>
-          </a:solidFill>
-          <a:latin typeface="+mn-lt"/>
-          <a:ea typeface="+mn-ea"/>
-          <a:cs typeface="+mn-cs"/>
-        </a:defRPr>
-      </a:lvl4pPr>
-      <a:lvl5pPr marL="2057400" indent="-228600" algn="l" defTabSz="914400" rtl="0" eaLnBrk="1" latinLnBrk="0" hangingPunct="1">
-        <a:spcBef>
-          <a:spcPct val="20000"/>
-        </a:spcBef>
-        <a:buFont typeface="Arial" panose="020B0604020202020204" pitchFamily="34" charset="0"/>
-        <a:buChar char="»"/>
-        <a:defRPr sz="2000" kern="1200">
-          <a:solidFill>
-            <a:schemeClr val="tx1"/>
-          </a:solidFill>
-          <a:latin typeface="+mn-lt"/>
-          <a:ea typeface="+mn-ea"/>
-          <a:cs typeface="+mn-cs"/>
-        </a:defRPr>
-      </a:lvl5pPr>
-      <a:lvl6pPr marL="2514600" indent="-228600" algn="l" defTabSz="914400" rtl="0" eaLnBrk="1" latinLnBrk="0" hangingPunct="1">
-        <a:spcBef>
-          <a:spcPct val="20000"/>
+          <a:spcPts val="500"/>
         </a:spcBef>
         <a:buFont typeface="Arial" panose="020B0604020202020204" pitchFamily="34" charset="0"/>
         <a:buChar char="•"/>
@@ -3283,14 +3132,71 @@
           <a:ea typeface="+mn-ea"/>
           <a:cs typeface="+mn-cs"/>
         </a:defRPr>
-      </a:lvl6pPr>
-      <a:lvl7pPr marL="2971800" indent="-228600" algn="l" defTabSz="914400" rtl="0" eaLnBrk="1" latinLnBrk="0" hangingPunct="1">
+      </a:lvl3pPr>
+      <a:lvl4pPr marL="1600200" indent="-228600" algn="l" defTabSz="914400" rtl="0" eaLnBrk="1" latinLnBrk="0" hangingPunct="1">
+        <a:lnSpc>
+          <a:spcPct val="90000"/>
+        </a:lnSpc>
         <a:spcBef>
-          <a:spcPct val="20000"/>
+          <a:spcPts val="500"/>
         </a:spcBef>
         <a:buFont typeface="Arial" panose="020B0604020202020204" pitchFamily="34" charset="0"/>
         <a:buChar char="•"/>
-        <a:defRPr sz="2000" kern="1200">
+        <a:defRPr sz="1800" kern="1200">
+          <a:solidFill>
+            <a:schemeClr val="tx1"/>
+          </a:solidFill>
+          <a:latin typeface="+mn-lt"/>
+          <a:ea typeface="+mn-ea"/>
+          <a:cs typeface="+mn-cs"/>
+        </a:defRPr>
+      </a:lvl4pPr>
+      <a:lvl5pPr marL="2057400" indent="-228600" algn="l" defTabSz="914400" rtl="0" eaLnBrk="1" latinLnBrk="0" hangingPunct="1">
+        <a:lnSpc>
+          <a:spcPct val="90000"/>
+        </a:lnSpc>
+        <a:spcBef>
+          <a:spcPts val="500"/>
+        </a:spcBef>
+        <a:buFont typeface="Arial" panose="020B0604020202020204" pitchFamily="34" charset="0"/>
+        <a:buChar char="•"/>
+        <a:defRPr sz="1800" kern="1200">
+          <a:solidFill>
+            <a:schemeClr val="tx1"/>
+          </a:solidFill>
+          <a:latin typeface="+mn-lt"/>
+          <a:ea typeface="+mn-ea"/>
+          <a:cs typeface="+mn-cs"/>
+        </a:defRPr>
+      </a:lvl5pPr>
+      <a:lvl6pPr marL="2514600" indent="-228600" algn="l" defTabSz="914400" rtl="0" eaLnBrk="1" latinLnBrk="0" hangingPunct="1">
+        <a:lnSpc>
+          <a:spcPct val="90000"/>
+        </a:lnSpc>
+        <a:spcBef>
+          <a:spcPts val="500"/>
+        </a:spcBef>
+        <a:buFont typeface="Arial" panose="020B0604020202020204" pitchFamily="34" charset="0"/>
+        <a:buChar char="•"/>
+        <a:defRPr sz="1800" kern="1200">
+          <a:solidFill>
+            <a:schemeClr val="tx1"/>
+          </a:solidFill>
+          <a:latin typeface="+mn-lt"/>
+          <a:ea typeface="+mn-ea"/>
+          <a:cs typeface="+mn-cs"/>
+        </a:defRPr>
+      </a:lvl6pPr>
+      <a:lvl7pPr marL="2971800" indent="-228600" algn="l" defTabSz="914400" rtl="0" eaLnBrk="1" latinLnBrk="0" hangingPunct="1">
+        <a:lnSpc>
+          <a:spcPct val="90000"/>
+        </a:lnSpc>
+        <a:spcBef>
+          <a:spcPts val="500"/>
+        </a:spcBef>
+        <a:buFont typeface="Arial" panose="020B0604020202020204" pitchFamily="34" charset="0"/>
+        <a:buChar char="•"/>
+        <a:defRPr sz="1800" kern="1200">
           <a:solidFill>
             <a:schemeClr val="tx1"/>
           </a:solidFill>
@@ -3300,12 +3206,15 @@
         </a:defRPr>
       </a:lvl7pPr>
       <a:lvl8pPr marL="3429000" indent="-228600" algn="l" defTabSz="914400" rtl="0" eaLnBrk="1" latinLnBrk="0" hangingPunct="1">
+        <a:lnSpc>
+          <a:spcPct val="90000"/>
+        </a:lnSpc>
         <a:spcBef>
-          <a:spcPct val="20000"/>
+          <a:spcPts val="500"/>
         </a:spcBef>
         <a:buFont typeface="Arial" panose="020B0604020202020204" pitchFamily="34" charset="0"/>
         <a:buChar char="•"/>
-        <a:defRPr sz="2000" kern="1200">
+        <a:defRPr sz="1800" kern="1200">
           <a:solidFill>
             <a:schemeClr val="tx1"/>
           </a:solidFill>
@@ -3315,12 +3224,15 @@
         </a:defRPr>
       </a:lvl8pPr>
       <a:lvl9pPr marL="3886200" indent="-228600" algn="l" defTabSz="914400" rtl="0" eaLnBrk="1" latinLnBrk="0" hangingPunct="1">
+        <a:lnSpc>
+          <a:spcPct val="90000"/>
+        </a:lnSpc>
         <a:spcBef>
-          <a:spcPct val="20000"/>
+          <a:spcPts val="500"/>
         </a:spcBef>
         <a:buFont typeface="Arial" panose="020B0604020202020204" pitchFamily="34" charset="0"/>
         <a:buChar char="•"/>
-        <a:defRPr sz="2000" kern="1200">
+        <a:defRPr sz="1800" kern="1200">
           <a:solidFill>
             <a:schemeClr val="tx1"/>
           </a:solidFill>
@@ -3454,7 +3366,7 @@
         </p:nvSpPr>
         <p:spPr>
           <a:xfrm>
-            <a:off x="831983" y="1961662"/>
+            <a:off x="2297461" y="1985791"/>
             <a:ext cx="1311779" cy="2076938"/>
           </a:xfrm>
           <a:prstGeom prst="roundRect">
@@ -3507,8 +3419,8 @@
         </p:nvSpPr>
         <p:spPr>
           <a:xfrm>
-            <a:off x="3124200" y="1600200"/>
-            <a:ext cx="5486400" cy="2819400"/>
+            <a:off x="4188400" y="1573529"/>
+            <a:ext cx="6487823" cy="2901462"/>
           </a:xfrm>
           <a:prstGeom prst="roundRect">
             <a:avLst>
@@ -3568,7 +3480,7 @@
         </p:nvSpPr>
         <p:spPr>
           <a:xfrm>
-            <a:off x="5410201" y="1826345"/>
+            <a:off x="6934202" y="1826345"/>
             <a:ext cx="772043" cy="346760"/>
           </a:xfrm>
           <a:prstGeom prst="rect">
@@ -3635,6 +3547,7 @@
         <p:nvCxnSpPr>
           <p:cNvPr id="96" name="Elbow Connector 95"/>
           <p:cNvCxnSpPr>
+            <a:cxnSpLocks/>
             <a:stCxn id="12" idx="1"/>
             <a:endCxn id="144" idx="1"/>
           </p:cNvCxnSpPr>
@@ -3642,8 +3555,8 @@
         </p:nvCxnSpPr>
         <p:spPr>
           <a:xfrm rot="10800000" flipV="1">
-            <a:off x="4504529" y="1999724"/>
-            <a:ext cx="905672" cy="668879"/>
+            <a:off x="6028530" y="1999725"/>
+            <a:ext cx="905673" cy="668880"/>
           </a:xfrm>
           <a:prstGeom prst="bentConnector3">
             <a:avLst>
@@ -3678,7 +3591,7 @@
         </p:nvSpPr>
         <p:spPr>
           <a:xfrm>
-            <a:off x="5410200" y="2514600"/>
+            <a:off x="6934201" y="2514601"/>
             <a:ext cx="772043" cy="509659"/>
           </a:xfrm>
           <a:prstGeom prst="rect">
@@ -3718,14 +3631,6 @@
               </a:rPr>
               <a:t>{abstract}</a:t>
             </a:r>
-            <a:r>
-              <a:rPr lang="en-US" sz="1050" b="1">
-                <a:solidFill>
-                  <a:srgbClr val="0070C0"/>
-                </a:solidFill>
-              </a:rPr>
-              <a:t/>
-            </a:r>
             <a:br>
               <a:rPr lang="en-US" sz="1050" b="1">
                 <a:solidFill>
@@ -3734,7 +3639,7 @@
               </a:rPr>
             </a:br>
             <a:r>
-              <a:rPr lang="en-US" sz="1050" b="1" smtClean="0">
+              <a:rPr lang="en-US" sz="1050" b="1">
                 <a:solidFill>
                   <a:srgbClr val="0070C0"/>
                 </a:solidFill>
@@ -3745,7 +3650,7 @@
           <a:p>
             <a:pPr algn="ctr"/>
             <a:r>
-              <a:rPr lang="en-US" sz="1050" b="1" dirty="0" smtClean="0">
+              <a:rPr lang="en-US" sz="1050" b="1" dirty="0">
                 <a:solidFill>
                   <a:srgbClr val="0070C0"/>
                 </a:solidFill>
@@ -3771,7 +3676,7 @@
         </p:nvCxnSpPr>
         <p:spPr>
           <a:xfrm rot="5400000">
-            <a:off x="5625476" y="2343852"/>
+            <a:off x="7149477" y="2343853"/>
             <a:ext cx="341495" cy="1"/>
           </a:xfrm>
           <a:prstGeom prst="bentConnector3">
@@ -3807,7 +3712,7 @@
         </p:nvSpPr>
         <p:spPr>
           <a:xfrm rot="10800000" flipV="1">
-            <a:off x="5660969" y="2173104"/>
+            <a:off x="7184969" y="2173105"/>
             <a:ext cx="270504" cy="175523"/>
           </a:xfrm>
           <a:prstGeom prst="triangle">
@@ -3861,8 +3766,8 @@
         </p:nvSpPr>
         <p:spPr>
           <a:xfrm flipH="1">
-            <a:off x="7239001" y="2997128"/>
-            <a:ext cx="1175193" cy="359669"/>
+            <a:off x="8884231" y="1858453"/>
+            <a:ext cx="1459124" cy="359669"/>
           </a:xfrm>
           <a:prstGeom prst="rect">
             <a:avLst/>
@@ -3894,7 +3799,7 @@
           <a:p>
             <a:pPr algn="ctr"/>
             <a:r>
-              <a:rPr lang="en-US" sz="1050" b="1" smtClean="0">
+              <a:rPr lang="en-US" sz="1050" b="1" dirty="0" err="1">
                 <a:solidFill>
                   <a:srgbClr val="0070C0"/>
                 </a:solidFill>
@@ -3917,8 +3822,8 @@
         </p:nvSpPr>
         <p:spPr>
           <a:xfrm flipH="1">
-            <a:off x="7239000" y="3431436"/>
-            <a:ext cx="1175194" cy="359669"/>
+            <a:off x="8884228" y="2354989"/>
+            <a:ext cx="1459127" cy="359669"/>
           </a:xfrm>
           <a:prstGeom prst="rect">
             <a:avLst/>
@@ -3950,7 +3855,7 @@
           <a:p>
             <a:pPr algn="ctr"/>
             <a:r>
-              <a:rPr lang="en-US" sz="1050" b="1" dirty="0" err="1" smtClean="0">
+              <a:rPr lang="en-US" sz="1050" b="1" dirty="0" err="1">
                 <a:solidFill>
                   <a:srgbClr val="0070C0"/>
                 </a:solidFill>
@@ -3973,8 +3878,8 @@
         </p:nvSpPr>
         <p:spPr>
           <a:xfrm flipH="1">
-            <a:off x="7239000" y="3906103"/>
-            <a:ext cx="1175194" cy="359669"/>
+            <a:off x="8884229" y="3756373"/>
+            <a:ext cx="1459125" cy="359669"/>
           </a:xfrm>
           <a:prstGeom prst="rect">
             <a:avLst/>
@@ -4006,7 +3911,7 @@
           <a:p>
             <a:pPr algn="ctr"/>
             <a:r>
-              <a:rPr lang="mr-IN" sz="1050" b="1" dirty="0" smtClean="0">
+              <a:rPr lang="mr-IN" sz="1050" b="1" dirty="0">
                 <a:solidFill>
                   <a:srgbClr val="0070C0"/>
                 </a:solidFill>
@@ -4025,6 +3930,7 @@
         <p:nvCxnSpPr>
           <p:cNvPr id="129" name="Elbow Connector 128"/>
           <p:cNvCxnSpPr>
+            <a:cxnSpLocks/>
             <a:stCxn id="76" idx="3"/>
             <a:endCxn id="128" idx="3"/>
           </p:cNvCxnSpPr>
@@ -4032,8 +3938,8 @@
         </p:nvCxnSpPr>
         <p:spPr>
           <a:xfrm>
-            <a:off x="6182243" y="2769430"/>
-            <a:ext cx="1056757" cy="1316508"/>
+            <a:off x="7706244" y="2769431"/>
+            <a:ext cx="1177985" cy="1166777"/>
           </a:xfrm>
           <a:prstGeom prst="bentConnector3">
             <a:avLst>
@@ -4064,15 +3970,16 @@
         <p:nvCxnSpPr>
           <p:cNvPr id="131" name="Elbow Connector 130"/>
           <p:cNvCxnSpPr>
+            <a:cxnSpLocks/>
             <a:stCxn id="76" idx="3"/>
             <a:endCxn id="113" idx="3"/>
           </p:cNvCxnSpPr>
           <p:nvPr/>
         </p:nvCxnSpPr>
         <p:spPr>
-          <a:xfrm>
-            <a:off x="6182243" y="2769430"/>
-            <a:ext cx="1056757" cy="841841"/>
+          <a:xfrm flipV="1">
+            <a:off x="7706244" y="2534824"/>
+            <a:ext cx="1177984" cy="234607"/>
           </a:xfrm>
           <a:prstGeom prst="bentConnector3">
             <a:avLst>
@@ -4103,15 +4010,16 @@
         <p:nvCxnSpPr>
           <p:cNvPr id="134" name="Elbow Connector 133"/>
           <p:cNvCxnSpPr>
+            <a:cxnSpLocks/>
             <a:stCxn id="76" idx="3"/>
             <a:endCxn id="107" idx="3"/>
           </p:cNvCxnSpPr>
           <p:nvPr/>
         </p:nvCxnSpPr>
         <p:spPr>
-          <a:xfrm>
-            <a:off x="6182243" y="2769430"/>
-            <a:ext cx="1056758" cy="407533"/>
+          <a:xfrm flipV="1">
+            <a:off x="7706244" y="2038288"/>
+            <a:ext cx="1177987" cy="731143"/>
           </a:xfrm>
           <a:prstGeom prst="bentConnector3">
             <a:avLst>
@@ -4146,7 +4054,7 @@
         </p:nvSpPr>
         <p:spPr>
           <a:xfrm rot="5400000" flipV="1">
-            <a:off x="6134752" y="2691099"/>
+            <a:off x="7658752" y="2691100"/>
             <a:ext cx="270504" cy="175523"/>
           </a:xfrm>
           <a:prstGeom prst="triangle">
@@ -4200,8 +4108,8 @@
         </p:nvSpPr>
         <p:spPr>
           <a:xfrm flipH="1">
-            <a:off x="3329336" y="2488769"/>
-            <a:ext cx="1175193" cy="359669"/>
+            <a:off x="4517524" y="2488770"/>
+            <a:ext cx="1511005" cy="359669"/>
           </a:xfrm>
           <a:prstGeom prst="rect">
             <a:avLst/>
@@ -4233,7 +4141,7 @@
           <a:p>
             <a:pPr algn="ctr"/>
             <a:r>
-              <a:rPr lang="en-US" sz="1050" b="1" smtClean="0">
+              <a:rPr lang="en-US" sz="1050" b="1" dirty="0" err="1">
                 <a:solidFill>
                   <a:srgbClr val="0070C0"/>
                 </a:solidFill>
@@ -4256,8 +4164,8 @@
         </p:nvSpPr>
         <p:spPr>
           <a:xfrm flipH="1">
-            <a:off x="3329336" y="2944348"/>
-            <a:ext cx="1175193" cy="359669"/>
+            <a:off x="4517524" y="2944349"/>
+            <a:ext cx="1511006" cy="359669"/>
           </a:xfrm>
           <a:prstGeom prst="rect">
             <a:avLst/>
@@ -4289,7 +4197,7 @@
           <a:p>
             <a:pPr algn="ctr"/>
             <a:r>
-              <a:rPr lang="en-US" sz="1050" b="1" dirty="0" err="1" smtClean="0">
+              <a:rPr lang="en-US" sz="1050" b="1" dirty="0" err="1">
                 <a:solidFill>
                   <a:srgbClr val="0070C0"/>
                 </a:solidFill>
@@ -4308,6 +4216,7 @@
         <p:nvCxnSpPr>
           <p:cNvPr id="150" name="Elbow Connector 149"/>
           <p:cNvCxnSpPr>
+            <a:cxnSpLocks/>
             <a:stCxn id="12" idx="1"/>
             <a:endCxn id="145" idx="1"/>
           </p:cNvCxnSpPr>
@@ -4315,8 +4224,8 @@
         </p:nvCxnSpPr>
         <p:spPr>
           <a:xfrm rot="10800000" flipV="1">
-            <a:off x="4504529" y="1999725"/>
-            <a:ext cx="905672" cy="1124458"/>
+            <a:off x="6028530" y="1999724"/>
+            <a:ext cx="905672" cy="1124459"/>
           </a:xfrm>
           <a:prstGeom prst="bentConnector3">
             <a:avLst>
@@ -4351,8 +4260,8 @@
         </p:nvSpPr>
         <p:spPr>
           <a:xfrm flipH="1">
-            <a:off x="3328030" y="3396703"/>
-            <a:ext cx="1175194" cy="359669"/>
+            <a:off x="4516218" y="3396704"/>
+            <a:ext cx="1511006" cy="359669"/>
           </a:xfrm>
           <a:prstGeom prst="rect">
             <a:avLst/>
@@ -4384,7 +4293,7 @@
           <a:p>
             <a:pPr algn="ctr"/>
             <a:r>
-              <a:rPr lang="mr-IN" sz="1050" b="1" dirty="0" smtClean="0">
+              <a:rPr lang="en-SG" sz="1050" b="1" dirty="0">
                 <a:solidFill>
                   <a:srgbClr val="0070C0"/>
                 </a:solidFill>
@@ -4403,6 +4312,7 @@
         <p:nvCxnSpPr>
           <p:cNvPr id="168" name="Elbow Connector 167"/>
           <p:cNvCxnSpPr>
+            <a:cxnSpLocks/>
             <a:stCxn id="12" idx="1"/>
             <a:endCxn id="167" idx="1"/>
           </p:cNvCxnSpPr>
@@ -4410,8 +4320,8 @@
         </p:nvCxnSpPr>
         <p:spPr>
           <a:xfrm rot="10800000" flipV="1">
-            <a:off x="4503225" y="1999724"/>
-            <a:ext cx="906977" cy="1576813"/>
+            <a:off x="6027224" y="1999725"/>
+            <a:ext cx="906978" cy="1576814"/>
           </a:xfrm>
           <a:prstGeom prst="bentConnector3">
             <a:avLst>
@@ -4446,7 +4356,7 @@
         </p:nvSpPr>
         <p:spPr>
           <a:xfrm rot="16200000" flipV="1">
-            <a:off x="5187187" y="1911963"/>
+            <a:off x="6711187" y="1911964"/>
             <a:ext cx="270504" cy="175523"/>
           </a:xfrm>
           <a:prstGeom prst="triangle">
@@ -4500,7 +4410,7 @@
         </p:nvSpPr>
         <p:spPr>
           <a:xfrm flipH="1">
-            <a:off x="1003252" y="2120502"/>
+            <a:off x="2527252" y="2120502"/>
             <a:ext cx="970326" cy="346760"/>
           </a:xfrm>
           <a:prstGeom prst="rect">
@@ -4533,7 +4443,7 @@
           <a:p>
             <a:pPr algn="ctr"/>
             <a:r>
-              <a:rPr lang="en-US" sz="1050" b="1" dirty="0" err="1" smtClean="0">
+              <a:rPr lang="en-US" sz="1050" b="1" dirty="0" err="1">
                 <a:solidFill>
                   <a:srgbClr val="0070C0"/>
                 </a:solidFill>
@@ -4556,7 +4466,7 @@
         </p:nvSpPr>
         <p:spPr>
           <a:xfrm>
-            <a:off x="1101850" y="3529390"/>
+            <a:off x="2625851" y="3529390"/>
             <a:ext cx="772043" cy="346760"/>
           </a:xfrm>
           <a:prstGeom prst="rect">
@@ -4627,7 +4537,7 @@
         </p:nvSpPr>
         <p:spPr>
           <a:xfrm flipV="1">
-            <a:off x="1352621" y="3360825"/>
+            <a:off x="2876621" y="3360826"/>
             <a:ext cx="270504" cy="175523"/>
           </a:xfrm>
           <a:prstGeom prst="triangle">
@@ -4683,7 +4593,7 @@
         </p:nvCxnSpPr>
         <p:spPr>
           <a:xfrm rot="5400000" flipH="1" flipV="1">
-            <a:off x="1041363" y="2913773"/>
+            <a:off x="2565364" y="2913773"/>
             <a:ext cx="893563" cy="542"/>
           </a:xfrm>
           <a:prstGeom prst="bentConnector3">
@@ -4715,15 +4625,16 @@
         <p:nvCxnSpPr>
           <p:cNvPr id="30" name="Elbow Connector 25"/>
           <p:cNvCxnSpPr>
+            <a:cxnSpLocks/>
             <a:stCxn id="2" idx="1"/>
             <a:endCxn id="25" idx="3"/>
           </p:cNvCxnSpPr>
           <p:nvPr/>
         </p:nvCxnSpPr>
         <p:spPr>
-          <a:xfrm flipH="1" flipV="1">
-            <a:off x="2143762" y="3000131"/>
-            <a:ext cx="980438" cy="9769"/>
+          <a:xfrm flipH="1">
+            <a:off x="3609240" y="3024260"/>
+            <a:ext cx="579160" cy="0"/>
           </a:xfrm>
           <a:prstGeom prst="straightConnector1">
             <a:avLst/>
@@ -4751,10 +4662,223 @@
           </a:fontRef>
         </p:style>
       </p:cxnSp>
+      <p:sp>
+        <p:nvSpPr>
+          <p:cNvPr id="27" name="Rectangle 11">
+            <a:extLst>
+              <a:ext uri="{FF2B5EF4-FFF2-40B4-BE49-F238E27FC236}">
+                <a16:creationId xmlns:a16="http://schemas.microsoft.com/office/drawing/2014/main" id="{24DCC34C-C9CD-41C2-9028-0FE932EE7C93}"/>
+              </a:ext>
+            </a:extLst>
+          </p:cNvPr>
+          <p:cNvSpPr/>
+          <p:nvPr/>
+        </p:nvSpPr>
+        <p:spPr>
+          <a:xfrm flipH="1">
+            <a:off x="8864622" y="2808267"/>
+            <a:ext cx="1511006" cy="359669"/>
+          </a:xfrm>
+          <a:prstGeom prst="rect">
+            <a:avLst/>
+          </a:prstGeom>
+          <a:ln w="19050">
+            <a:solidFill>
+              <a:srgbClr val="0070C0"/>
+            </a:solidFill>
+          </a:ln>
+          <a:effectLst/>
+        </p:spPr>
+        <p:style>
+          <a:lnRef idx="1">
+            <a:schemeClr val="accent1"/>
+          </a:lnRef>
+          <a:fillRef idx="2">
+            <a:schemeClr val="accent1"/>
+          </a:fillRef>
+          <a:effectRef idx="1">
+            <a:schemeClr val="accent1"/>
+          </a:effectRef>
+          <a:fontRef idx="minor">
+            <a:schemeClr val="dk1"/>
+          </a:fontRef>
+        </p:style>
+        <p:txBody>
+          <a:bodyPr rtlCol="0" anchor="ctr"/>
+          <a:lstStyle/>
+          <a:p>
+            <a:pPr algn="ctr"/>
+            <a:r>
+              <a:rPr lang="en-SG" sz="1050" b="1" dirty="0" err="1">
+                <a:solidFill>
+                  <a:srgbClr val="0070C0"/>
+                </a:solidFill>
+              </a:rPr>
+              <a:t>BorrowCommand</a:t>
+            </a:r>
+            <a:endParaRPr lang="en-US" sz="1050" b="1" dirty="0">
+              <a:solidFill>
+                <a:srgbClr val="0070C0"/>
+              </a:solidFill>
+            </a:endParaRPr>
+          </a:p>
+        </p:txBody>
+      </p:sp>
+      <p:sp>
+        <p:nvSpPr>
+          <p:cNvPr id="40" name="Rectangle 11">
+            <a:extLst>
+              <a:ext uri="{FF2B5EF4-FFF2-40B4-BE49-F238E27FC236}">
+                <a16:creationId xmlns:a16="http://schemas.microsoft.com/office/drawing/2014/main" id="{EA83E290-5CA9-4E59-8954-1B2D7735D672}"/>
+              </a:ext>
+            </a:extLst>
+          </p:cNvPr>
+          <p:cNvSpPr/>
+          <p:nvPr/>
+        </p:nvSpPr>
+        <p:spPr>
+          <a:xfrm flipH="1">
+            <a:off x="8858289" y="3289223"/>
+            <a:ext cx="1511004" cy="359669"/>
+          </a:xfrm>
+          <a:prstGeom prst="rect">
+            <a:avLst/>
+          </a:prstGeom>
+          <a:ln w="19050">
+            <a:solidFill>
+              <a:srgbClr val="0070C0"/>
+            </a:solidFill>
+          </a:ln>
+          <a:effectLst/>
+        </p:spPr>
+        <p:style>
+          <a:lnRef idx="1">
+            <a:schemeClr val="accent1"/>
+          </a:lnRef>
+          <a:fillRef idx="2">
+            <a:schemeClr val="accent1"/>
+          </a:fillRef>
+          <a:effectRef idx="1">
+            <a:schemeClr val="accent1"/>
+          </a:effectRef>
+          <a:fontRef idx="minor">
+            <a:schemeClr val="dk1"/>
+          </a:fontRef>
+        </p:style>
+        <p:txBody>
+          <a:bodyPr rtlCol="0" anchor="ctr"/>
+          <a:lstStyle/>
+          <a:p>
+            <a:pPr algn="ctr"/>
+            <a:r>
+              <a:rPr lang="en-SG" sz="1050" b="1" dirty="0" err="1">
+                <a:solidFill>
+                  <a:srgbClr val="0070C0"/>
+                </a:solidFill>
+              </a:rPr>
+              <a:t>AddAccountCommand</a:t>
+            </a:r>
+            <a:endParaRPr lang="en-US" sz="1050" b="1" dirty="0">
+              <a:solidFill>
+                <a:srgbClr val="0070C0"/>
+              </a:solidFill>
+            </a:endParaRPr>
+          </a:p>
+        </p:txBody>
+      </p:sp>
+      <p:cxnSp>
+        <p:nvCxnSpPr>
+          <p:cNvPr id="66" name="Elbow Connector 130">
+            <a:extLst>
+              <a:ext uri="{FF2B5EF4-FFF2-40B4-BE49-F238E27FC236}">
+                <a16:creationId xmlns:a16="http://schemas.microsoft.com/office/drawing/2014/main" id="{8A80F78E-4A64-427B-8AB6-2D2D53D05BC6}"/>
+              </a:ext>
+            </a:extLst>
+          </p:cNvPr>
+          <p:cNvCxnSpPr>
+            <a:cxnSpLocks/>
+            <a:endCxn id="27" idx="3"/>
+          </p:cNvCxnSpPr>
+          <p:nvPr/>
+        </p:nvCxnSpPr>
+        <p:spPr>
+          <a:xfrm>
+            <a:off x="8226881" y="2769431"/>
+            <a:ext cx="637741" cy="218671"/>
+          </a:xfrm>
+          <a:prstGeom prst="bentConnector3">
+            <a:avLst>
+              <a:gd name="adj1" fmla="val 50000"/>
+            </a:avLst>
+          </a:prstGeom>
+          <a:ln w="19050">
+            <a:headEnd type="none" w="med" len="med"/>
+            <a:tailEnd type="none" w="med" len="med"/>
+          </a:ln>
+        </p:spPr>
+        <p:style>
+          <a:lnRef idx="1">
+            <a:schemeClr val="accent1"/>
+          </a:lnRef>
+          <a:fillRef idx="0">
+            <a:schemeClr val="accent1"/>
+          </a:fillRef>
+          <a:effectRef idx="0">
+            <a:schemeClr val="accent1"/>
+          </a:effectRef>
+          <a:fontRef idx="minor">
+            <a:schemeClr val="tx1"/>
+          </a:fontRef>
+        </p:style>
+      </p:cxnSp>
+      <p:cxnSp>
+        <p:nvCxnSpPr>
+          <p:cNvPr id="69" name="Elbow Connector 130">
+            <a:extLst>
+              <a:ext uri="{FF2B5EF4-FFF2-40B4-BE49-F238E27FC236}">
+                <a16:creationId xmlns:a16="http://schemas.microsoft.com/office/drawing/2014/main" id="{1129169A-2B6C-45B0-B46D-77AB34924BF7}"/>
+              </a:ext>
+            </a:extLst>
+          </p:cNvPr>
+          <p:cNvCxnSpPr>
+            <a:cxnSpLocks/>
+          </p:cNvCxnSpPr>
+          <p:nvPr/>
+        </p:nvCxnSpPr>
+        <p:spPr>
+          <a:xfrm>
+            <a:off x="8295236" y="3243484"/>
+            <a:ext cx="574088" cy="229433"/>
+          </a:xfrm>
+          <a:prstGeom prst="bentConnector3">
+            <a:avLst>
+              <a:gd name="adj1" fmla="val 50000"/>
+            </a:avLst>
+          </a:prstGeom>
+          <a:ln w="19050">
+            <a:headEnd type="none" w="med" len="med"/>
+            <a:tailEnd type="none" w="med" len="med"/>
+          </a:ln>
+        </p:spPr>
+        <p:style>
+          <a:lnRef idx="1">
+            <a:schemeClr val="accent1"/>
+          </a:lnRef>
+          <a:fillRef idx="0">
+            <a:schemeClr val="accent1"/>
+          </a:fillRef>
+          <a:effectRef idx="0">
+            <a:schemeClr val="accent1"/>
+          </a:effectRef>
+          <a:fontRef idx="minor">
+            <a:schemeClr val="tx1"/>
+          </a:fontRef>
+        </p:style>
+      </p:cxnSp>
     </p:spTree>
     <p:extLst>
       <p:ext uri="{BB962C8B-B14F-4D97-AF65-F5344CB8AC3E}">
-        <p14:creationId xmlns:p14="http://schemas.microsoft.com/office/powerpoint/2010/main" val="211586602"/>
+        <p14:creationId xmlns:p14="http://schemas.microsoft.com/office/powerpoint/2010/main" val="2967341420"/>
       </p:ext>
     </p:extLst>
   </p:cSld>
@@ -4775,44 +4899,44 @@
         <a:sysClr val="window" lastClr="FFFFFF"/>
       </a:lt1>
       <a:dk2>
-        <a:srgbClr val="1F497D"/>
+        <a:srgbClr val="44546A"/>
       </a:dk2>
       <a:lt2>
-        <a:srgbClr val="EEECE1"/>
+        <a:srgbClr val="E7E6E6"/>
       </a:lt2>
       <a:accent1>
-        <a:srgbClr val="4F81BD"/>
+        <a:srgbClr val="4472C4"/>
       </a:accent1>
       <a:accent2>
-        <a:srgbClr val="C0504D"/>
+        <a:srgbClr val="ED7D31"/>
       </a:accent2>
       <a:accent3>
-        <a:srgbClr val="9BBB59"/>
+        <a:srgbClr val="A5A5A5"/>
       </a:accent3>
       <a:accent4>
-        <a:srgbClr val="8064A2"/>
+        <a:srgbClr val="FFC000"/>
       </a:accent4>
       <a:accent5>
-        <a:srgbClr val="4BACC6"/>
+        <a:srgbClr val="5B9BD5"/>
       </a:accent5>
       <a:accent6>
-        <a:srgbClr val="F79646"/>
+        <a:srgbClr val="70AD47"/>
       </a:accent6>
       <a:hlink>
-        <a:srgbClr val="0000FF"/>
+        <a:srgbClr val="0563C1"/>
       </a:hlink>
       <a:folHlink>
-        <a:srgbClr val="800080"/>
+        <a:srgbClr val="954F72"/>
       </a:folHlink>
     </a:clrScheme>
     <a:fontScheme name="Office">
       <a:majorFont>
-        <a:latin typeface="Calibri"/>
+        <a:latin typeface="Calibri Light" panose="020F0302020204030204"/>
         <a:ea typeface=""/>
         <a:cs typeface=""/>
-        <a:font script="Jpan" typeface="ＭＳ Ｐゴシック"/>
+        <a:font script="Jpan" typeface="游ゴシック Light"/>
         <a:font script="Hang" typeface="맑은 고딕"/>
-        <a:font script="Hans" typeface="宋体"/>
+        <a:font script="Hans" typeface="等线 Light"/>
         <a:font script="Hant" typeface="新細明體"/>
         <a:font script="Arab" typeface="Times New Roman"/>
         <a:font script="Hebr" typeface="Times New Roman"/>
@@ -4840,14 +4964,31 @@
         <a:font script="Viet" typeface="Times New Roman"/>
         <a:font script="Uigh" typeface="Microsoft Uighur"/>
         <a:font script="Geor" typeface="Sylfaen"/>
+        <a:font script="Armn" typeface="Arial"/>
+        <a:font script="Bugi" typeface="Leelawadee UI"/>
+        <a:font script="Bopo" typeface="Microsoft JhengHei"/>
+        <a:font script="Java" typeface="Javanese Text"/>
+        <a:font script="Lisu" typeface="Segoe UI"/>
+        <a:font script="Mymr" typeface="Myanmar Text"/>
+        <a:font script="Nkoo" typeface="Ebrima"/>
+        <a:font script="Olck" typeface="Nirmala UI"/>
+        <a:font script="Osma" typeface="Ebrima"/>
+        <a:font script="Phag" typeface="Phagspa"/>
+        <a:font script="Syrn" typeface="Estrangelo Edessa"/>
+        <a:font script="Syrj" typeface="Estrangelo Edessa"/>
+        <a:font script="Syre" typeface="Estrangelo Edessa"/>
+        <a:font script="Sora" typeface="Nirmala UI"/>
+        <a:font script="Tale" typeface="Microsoft Tai Le"/>
+        <a:font script="Talu" typeface="Microsoft New Tai Lue"/>
+        <a:font script="Tfng" typeface="Ebrima"/>
       </a:majorFont>
       <a:minorFont>
-        <a:latin typeface="Calibri"/>
+        <a:latin typeface="Calibri" panose="020F0502020204030204"/>
         <a:ea typeface=""/>
         <a:cs typeface=""/>
-        <a:font script="Jpan" typeface="ＭＳ Ｐゴシック"/>
+        <a:font script="Jpan" typeface="游ゴシック"/>
         <a:font script="Hang" typeface="맑은 고딕"/>
-        <a:font script="Hans" typeface="宋体"/>
+        <a:font script="Hans" typeface="等线"/>
         <a:font script="Hant" typeface="新細明體"/>
         <a:font script="Arab" typeface="Arial"/>
         <a:font script="Hebr" typeface="Arial"/>
@@ -4875,6 +5016,23 @@
         <a:font script="Viet" typeface="Arial"/>
         <a:font script="Uigh" typeface="Microsoft Uighur"/>
         <a:font script="Geor" typeface="Sylfaen"/>
+        <a:font script="Armn" typeface="Arial"/>
+        <a:font script="Bugi" typeface="Leelawadee UI"/>
+        <a:font script="Bopo" typeface="Microsoft JhengHei"/>
+        <a:font script="Java" typeface="Javanese Text"/>
+        <a:font script="Lisu" typeface="Segoe UI"/>
+        <a:font script="Mymr" typeface="Myanmar Text"/>
+        <a:font script="Nkoo" typeface="Ebrima"/>
+        <a:font script="Olck" typeface="Nirmala UI"/>
+        <a:font script="Osma" typeface="Ebrima"/>
+        <a:font script="Phag" typeface="Phagspa"/>
+        <a:font script="Syrn" typeface="Estrangelo Edessa"/>
+        <a:font script="Syrj" typeface="Estrangelo Edessa"/>
+        <a:font script="Syre" typeface="Estrangelo Edessa"/>
+        <a:font script="Sora" typeface="Nirmala UI"/>
+        <a:font script="Tale" typeface="Microsoft Tai Le"/>
+        <a:font script="Talu" typeface="Microsoft New Tai Lue"/>
+        <a:font script="Tfng" typeface="Ebrima"/>
       </a:minorFont>
     </a:fontScheme>
     <a:fmtScheme name="Office">
@@ -4886,450 +5044,141 @@
           <a:gsLst>
             <a:gs pos="0">
               <a:schemeClr val="phClr">
-                <a:tint val="50000"/>
-                <a:satMod val="300000"/>
+                <a:lumMod val="110000"/>
+                <a:satMod val="105000"/>
+                <a:tint val="67000"/>
               </a:schemeClr>
             </a:gs>
-            <a:gs pos="35000">
+            <a:gs pos="50000">
               <a:schemeClr val="phClr">
-                <a:tint val="37000"/>
-                <a:satMod val="300000"/>
+                <a:lumMod val="105000"/>
+                <a:satMod val="103000"/>
+                <a:tint val="73000"/>
               </a:schemeClr>
             </a:gs>
             <a:gs pos="100000">
               <a:schemeClr val="phClr">
-                <a:tint val="15000"/>
-                <a:satMod val="350000"/>
+                <a:lumMod val="105000"/>
+                <a:satMod val="109000"/>
+                <a:tint val="81000"/>
               </a:schemeClr>
             </a:gs>
           </a:gsLst>
-          <a:lin ang="16200000" scaled="1"/>
+          <a:lin ang="5400000" scaled="0"/>
         </a:gradFill>
         <a:gradFill rotWithShape="1">
           <a:gsLst>
             <a:gs pos="0">
               <a:schemeClr val="phClr">
-                <a:shade val="51000"/>
-                <a:satMod val="130000"/>
+                <a:satMod val="103000"/>
+                <a:lumMod val="102000"/>
+                <a:tint val="94000"/>
               </a:schemeClr>
             </a:gs>
-            <a:gs pos="80000">
+            <a:gs pos="50000">
               <a:schemeClr val="phClr">
-                <a:shade val="93000"/>
-                <a:satMod val="130000"/>
+                <a:satMod val="110000"/>
+                <a:lumMod val="100000"/>
+                <a:shade val="100000"/>
               </a:schemeClr>
             </a:gs>
             <a:gs pos="100000">
               <a:schemeClr val="phClr">
-                <a:shade val="94000"/>
-                <a:satMod val="135000"/>
+                <a:lumMod val="99000"/>
+                <a:satMod val="120000"/>
+                <a:shade val="78000"/>
               </a:schemeClr>
             </a:gs>
           </a:gsLst>
-          <a:lin ang="16200000" scaled="0"/>
+          <a:lin ang="5400000" scaled="0"/>
         </a:gradFill>
       </a:fillStyleLst>
       <a:lnStyleLst>
-        <a:ln w="9525" cap="flat" cmpd="sng" algn="ctr">
-          <a:solidFill>
-            <a:schemeClr val="phClr">
-              <a:shade val="95000"/>
-              <a:satMod val="105000"/>
-            </a:schemeClr>
-          </a:solidFill>
-          <a:prstDash val="solid"/>
-        </a:ln>
-        <a:ln w="25400" cap="flat" cmpd="sng" algn="ctr">
+        <a:ln w="6350" cap="flat" cmpd="sng" algn="ctr">
           <a:solidFill>
             <a:schemeClr val="phClr"/>
           </a:solidFill>
           <a:prstDash val="solid"/>
+          <a:miter lim="800000"/>
         </a:ln>
-        <a:ln w="38100" cap="flat" cmpd="sng" algn="ctr">
+        <a:ln w="12700" cap="flat" cmpd="sng" algn="ctr">
           <a:solidFill>
             <a:schemeClr val="phClr"/>
           </a:solidFill>
           <a:prstDash val="solid"/>
+          <a:miter lim="800000"/>
+        </a:ln>
+        <a:ln w="19050" cap="flat" cmpd="sng" algn="ctr">
+          <a:solidFill>
+            <a:schemeClr val="phClr"/>
+          </a:solidFill>
+          <a:prstDash val="solid"/>
+          <a:miter lim="800000"/>
         </a:ln>
       </a:lnStyleLst>
       <a:effectStyleLst>
         <a:effectStyle>
+          <a:effectLst/>
+        </a:effectStyle>
+        <a:effectStyle>
+          <a:effectLst/>
+        </a:effectStyle>
+        <a:effectStyle>
           <a:effectLst>
-            <a:outerShdw blurRad="40000" dist="20000" dir="5400000" rotWithShape="0">
+            <a:outerShdw blurRad="57150" dist="19050" dir="5400000" algn="ctr" rotWithShape="0">
               <a:srgbClr val="000000">
-                <a:alpha val="38000"/>
+                <a:alpha val="63000"/>
               </a:srgbClr>
             </a:outerShdw>
           </a:effectLst>
-        </a:effectStyle>
-        <a:effectStyle>
-          <a:effectLst>
-            <a:outerShdw blurRad="40000" dist="23000" dir="5400000" rotWithShape="0">
-              <a:srgbClr val="000000">
-                <a:alpha val="35000"/>
-              </a:srgbClr>
-            </a:outerShdw>
-          </a:effectLst>
-        </a:effectStyle>
-        <a:effectStyle>
-          <a:effectLst>
-            <a:outerShdw blurRad="40000" dist="23000" dir="5400000" rotWithShape="0">
-              <a:srgbClr val="000000">
-                <a:alpha val="35000"/>
-              </a:srgbClr>
-            </a:outerShdw>
-          </a:effectLst>
-          <a:scene3d>
-            <a:camera prst="orthographicFront">
-              <a:rot lat="0" lon="0" rev="0"/>
-            </a:camera>
-            <a:lightRig rig="threePt" dir="t">
-              <a:rot lat="0" lon="0" rev="1200000"/>
-            </a:lightRig>
-          </a:scene3d>
-          <a:sp3d>
-            <a:bevelT w="63500" h="25400"/>
-          </a:sp3d>
         </a:effectStyle>
       </a:effectStyleLst>
       <a:bgFillStyleLst>
         <a:solidFill>
           <a:schemeClr val="phClr"/>
         </a:solidFill>
+        <a:solidFill>
+          <a:schemeClr val="phClr">
+            <a:tint val="95000"/>
+            <a:satMod val="170000"/>
+          </a:schemeClr>
+        </a:solidFill>
         <a:gradFill rotWithShape="1">
           <a:gsLst>
             <a:gs pos="0">
               <a:schemeClr val="phClr">
-                <a:tint val="40000"/>
-                <a:satMod val="350000"/>
+                <a:tint val="93000"/>
+                <a:satMod val="150000"/>
+                <a:shade val="98000"/>
+                <a:lumMod val="102000"/>
               </a:schemeClr>
             </a:gs>
-            <a:gs pos="40000">
+            <a:gs pos="50000">
               <a:schemeClr val="phClr">
-                <a:tint val="45000"/>
-                <a:shade val="99000"/>
-                <a:satMod val="350000"/>
+                <a:tint val="98000"/>
+                <a:satMod val="130000"/>
+                <a:shade val="90000"/>
+                <a:lumMod val="103000"/>
               </a:schemeClr>
             </a:gs>
             <a:gs pos="100000">
               <a:schemeClr val="phClr">
-                <a:shade val="20000"/>
-                <a:satMod val="255000"/>
+                <a:shade val="63000"/>
+                <a:satMod val="120000"/>
               </a:schemeClr>
             </a:gs>
           </a:gsLst>
-          <a:path path="circle">
-            <a:fillToRect l="50000" t="-80000" r="50000" b="180000"/>
-          </a:path>
-        </a:gradFill>
-        <a:gradFill rotWithShape="1">
-          <a:gsLst>
-            <a:gs pos="0">
-              <a:schemeClr val="phClr">
-                <a:tint val="80000"/>
-                <a:satMod val="300000"/>
-              </a:schemeClr>
-            </a:gs>
-            <a:gs pos="100000">
-              <a:schemeClr val="phClr">
-                <a:shade val="30000"/>
-                <a:satMod val="200000"/>
-              </a:schemeClr>
-            </a:gs>
-          </a:gsLst>
-          <a:path path="circle">
-            <a:fillToRect l="50000" t="50000" r="50000" b="50000"/>
-          </a:path>
+          <a:lin ang="5400000" scaled="0"/>
         </a:gradFill>
       </a:bgFillStyleLst>
     </a:fmtScheme>
   </a:themeElements>
   <a:objectDefaults/>
   <a:extraClrSchemeLst/>
-</a:theme>
-</file>
-
-<file path=ppt/theme/theme2.xml><?xml version="1.0" encoding="utf-8"?>
-<a:theme xmlns:a="http://schemas.openxmlformats.org/drawingml/2006/main" name="Office Theme">
-  <a:themeElements>
-    <a:clrScheme name="Office">
-      <a:dk1>
-        <a:sysClr val="windowText" lastClr="000000"/>
-      </a:dk1>
-      <a:lt1>
-        <a:sysClr val="window" lastClr="FFFFFF"/>
-      </a:lt1>
-      <a:dk2>
-        <a:srgbClr val="1F497D"/>
-      </a:dk2>
-      <a:lt2>
-        <a:srgbClr val="EEECE1"/>
-      </a:lt2>
-      <a:accent1>
-        <a:srgbClr val="4F81BD"/>
-      </a:accent1>
-      <a:accent2>
-        <a:srgbClr val="C0504D"/>
-      </a:accent2>
-      <a:accent3>
-        <a:srgbClr val="9BBB59"/>
-      </a:accent3>
-      <a:accent4>
-        <a:srgbClr val="8064A2"/>
-      </a:accent4>
-      <a:accent5>
-        <a:srgbClr val="4BACC6"/>
-      </a:accent5>
-      <a:accent6>
-        <a:srgbClr val="F79646"/>
-      </a:accent6>
-      <a:hlink>
-        <a:srgbClr val="0000FF"/>
-      </a:hlink>
-      <a:folHlink>
-        <a:srgbClr val="800080"/>
-      </a:folHlink>
-    </a:clrScheme>
-    <a:fontScheme name="Office">
-      <a:majorFont>
-        <a:latin typeface="Calibri"/>
-        <a:ea typeface=""/>
-        <a:cs typeface=""/>
-        <a:font script="Jpan" typeface="ＭＳ Ｐゴシック"/>
-        <a:font script="Hang" typeface="맑은 고딕"/>
-        <a:font script="Hans" typeface="宋体"/>
-        <a:font script="Hant" typeface="新細明體"/>
-        <a:font script="Arab" typeface="Times New Roman"/>
-        <a:font script="Hebr" typeface="Times New Roman"/>
-        <a:font script="Thai" typeface="Angsana New"/>
-        <a:font script="Ethi" typeface="Nyala"/>
-        <a:font script="Beng" typeface="Vrinda"/>
-        <a:font script="Gujr" typeface="Shruti"/>
-        <a:font script="Khmr" typeface="MoolBoran"/>
-        <a:font script="Knda" typeface="Tunga"/>
-        <a:font script="Guru" typeface="Raavi"/>
-        <a:font script="Cans" typeface="Euphemia"/>
-        <a:font script="Cher" typeface="Plantagenet Cherokee"/>
-        <a:font script="Yiii" typeface="Microsoft Yi Baiti"/>
-        <a:font script="Tibt" typeface="Microsoft Himalaya"/>
-        <a:font script="Thaa" typeface="MV Boli"/>
-        <a:font script="Deva" typeface="Mangal"/>
-        <a:font script="Telu" typeface="Gautami"/>
-        <a:font script="Taml" typeface="Latha"/>
-        <a:font script="Syrc" typeface="Estrangelo Edessa"/>
-        <a:font script="Orya" typeface="Kalinga"/>
-        <a:font script="Mlym" typeface="Kartika"/>
-        <a:font script="Laoo" typeface="DokChampa"/>
-        <a:font script="Sinh" typeface="Iskoola Pota"/>
-        <a:font script="Mong" typeface="Mongolian Baiti"/>
-        <a:font script="Viet" typeface="Times New Roman"/>
-        <a:font script="Uigh" typeface="Microsoft Uighur"/>
-        <a:font script="Geor" typeface="Sylfaen"/>
-      </a:majorFont>
-      <a:minorFont>
-        <a:latin typeface="Calibri"/>
-        <a:ea typeface=""/>
-        <a:cs typeface=""/>
-        <a:font script="Jpan" typeface="ＭＳ Ｐゴシック"/>
-        <a:font script="Hang" typeface="맑은 고딕"/>
-        <a:font script="Hans" typeface="宋体"/>
-        <a:font script="Hant" typeface="新細明體"/>
-        <a:font script="Arab" typeface="Arial"/>
-        <a:font script="Hebr" typeface="Arial"/>
-        <a:font script="Thai" typeface="Cordia New"/>
-        <a:font script="Ethi" typeface="Nyala"/>
-        <a:font script="Beng" typeface="Vrinda"/>
-        <a:font script="Gujr" typeface="Shruti"/>
-        <a:font script="Khmr" typeface="DaunPenh"/>
-        <a:font script="Knda" typeface="Tunga"/>
-        <a:font script="Guru" typeface="Raavi"/>
-        <a:font script="Cans" typeface="Euphemia"/>
-        <a:font script="Cher" typeface="Plantagenet Cherokee"/>
-        <a:font script="Yiii" typeface="Microsoft Yi Baiti"/>
-        <a:font script="Tibt" typeface="Microsoft Himalaya"/>
-        <a:font script="Thaa" typeface="MV Boli"/>
-        <a:font script="Deva" typeface="Mangal"/>
-        <a:font script="Telu" typeface="Gautami"/>
-        <a:font script="Taml" typeface="Latha"/>
-        <a:font script="Syrc" typeface="Estrangelo Edessa"/>
-        <a:font script="Orya" typeface="Kalinga"/>
-        <a:font script="Mlym" typeface="Kartika"/>
-        <a:font script="Laoo" typeface="DokChampa"/>
-        <a:font script="Sinh" typeface="Iskoola Pota"/>
-        <a:font script="Mong" typeface="Mongolian Baiti"/>
-        <a:font script="Viet" typeface="Arial"/>
-        <a:font script="Uigh" typeface="Microsoft Uighur"/>
-        <a:font script="Geor" typeface="Sylfaen"/>
-      </a:minorFont>
-    </a:fontScheme>
-    <a:fmtScheme name="Office">
-      <a:fillStyleLst>
-        <a:solidFill>
-          <a:schemeClr val="phClr"/>
-        </a:solidFill>
-        <a:gradFill rotWithShape="1">
-          <a:gsLst>
-            <a:gs pos="0">
-              <a:schemeClr val="phClr">
-                <a:tint val="50000"/>
-                <a:satMod val="300000"/>
-              </a:schemeClr>
-            </a:gs>
-            <a:gs pos="35000">
-              <a:schemeClr val="phClr">
-                <a:tint val="37000"/>
-                <a:satMod val="300000"/>
-              </a:schemeClr>
-            </a:gs>
-            <a:gs pos="100000">
-              <a:schemeClr val="phClr">
-                <a:tint val="15000"/>
-                <a:satMod val="350000"/>
-              </a:schemeClr>
-            </a:gs>
-          </a:gsLst>
-          <a:lin ang="16200000" scaled="1"/>
-        </a:gradFill>
-        <a:gradFill rotWithShape="1">
-          <a:gsLst>
-            <a:gs pos="0">
-              <a:schemeClr val="phClr">
-                <a:shade val="51000"/>
-                <a:satMod val="130000"/>
-              </a:schemeClr>
-            </a:gs>
-            <a:gs pos="80000">
-              <a:schemeClr val="phClr">
-                <a:shade val="93000"/>
-                <a:satMod val="130000"/>
-              </a:schemeClr>
-            </a:gs>
-            <a:gs pos="100000">
-              <a:schemeClr val="phClr">
-                <a:shade val="94000"/>
-                <a:satMod val="135000"/>
-              </a:schemeClr>
-            </a:gs>
-          </a:gsLst>
-          <a:lin ang="16200000" scaled="0"/>
-        </a:gradFill>
-      </a:fillStyleLst>
-      <a:lnStyleLst>
-        <a:ln w="9525" cap="flat" cmpd="sng" algn="ctr">
-          <a:solidFill>
-            <a:schemeClr val="phClr">
-              <a:shade val="95000"/>
-              <a:satMod val="105000"/>
-            </a:schemeClr>
-          </a:solidFill>
-          <a:prstDash val="solid"/>
-        </a:ln>
-        <a:ln w="25400" cap="flat" cmpd="sng" algn="ctr">
-          <a:solidFill>
-            <a:schemeClr val="phClr"/>
-          </a:solidFill>
-          <a:prstDash val="solid"/>
-        </a:ln>
-        <a:ln w="38100" cap="flat" cmpd="sng" algn="ctr">
-          <a:solidFill>
-            <a:schemeClr val="phClr"/>
-          </a:solidFill>
-          <a:prstDash val="solid"/>
-        </a:ln>
-      </a:lnStyleLst>
-      <a:effectStyleLst>
-        <a:effectStyle>
-          <a:effectLst>
-            <a:outerShdw blurRad="40000" dist="20000" dir="5400000" rotWithShape="0">
-              <a:srgbClr val="000000">
-                <a:alpha val="38000"/>
-              </a:srgbClr>
-            </a:outerShdw>
-          </a:effectLst>
-        </a:effectStyle>
-        <a:effectStyle>
-          <a:effectLst>
-            <a:outerShdw blurRad="40000" dist="23000" dir="5400000" rotWithShape="0">
-              <a:srgbClr val="000000">
-                <a:alpha val="35000"/>
-              </a:srgbClr>
-            </a:outerShdw>
-          </a:effectLst>
-        </a:effectStyle>
-        <a:effectStyle>
-          <a:effectLst>
-            <a:outerShdw blurRad="40000" dist="23000" dir="5400000" rotWithShape="0">
-              <a:srgbClr val="000000">
-                <a:alpha val="35000"/>
-              </a:srgbClr>
-            </a:outerShdw>
-          </a:effectLst>
-          <a:scene3d>
-            <a:camera prst="orthographicFront">
-              <a:rot lat="0" lon="0" rev="0"/>
-            </a:camera>
-            <a:lightRig rig="threePt" dir="t">
-              <a:rot lat="0" lon="0" rev="1200000"/>
-            </a:lightRig>
-          </a:scene3d>
-          <a:sp3d>
-            <a:bevelT w="63500" h="25400"/>
-          </a:sp3d>
-        </a:effectStyle>
-      </a:effectStyleLst>
-      <a:bgFillStyleLst>
-        <a:solidFill>
-          <a:schemeClr val="phClr"/>
-        </a:solidFill>
-        <a:gradFill rotWithShape="1">
-          <a:gsLst>
-            <a:gs pos="0">
-              <a:schemeClr val="phClr">
-                <a:tint val="40000"/>
-                <a:satMod val="350000"/>
-              </a:schemeClr>
-            </a:gs>
-            <a:gs pos="40000">
-              <a:schemeClr val="phClr">
-                <a:tint val="45000"/>
-                <a:shade val="99000"/>
-                <a:satMod val="350000"/>
-              </a:schemeClr>
-            </a:gs>
-            <a:gs pos="100000">
-              <a:schemeClr val="phClr">
-                <a:shade val="20000"/>
-                <a:satMod val="255000"/>
-              </a:schemeClr>
-            </a:gs>
-          </a:gsLst>
-          <a:path path="circle">
-            <a:fillToRect l="50000" t="-80000" r="50000" b="180000"/>
-          </a:path>
-        </a:gradFill>
-        <a:gradFill rotWithShape="1">
-          <a:gsLst>
-            <a:gs pos="0">
-              <a:schemeClr val="phClr">
-                <a:tint val="80000"/>
-                <a:satMod val="300000"/>
-              </a:schemeClr>
-            </a:gs>
-            <a:gs pos="100000">
-              <a:schemeClr val="phClr">
-                <a:shade val="30000"/>
-                <a:satMod val="200000"/>
-              </a:schemeClr>
-            </a:gs>
-          </a:gsLst>
-          <a:path path="circle">
-            <a:fillToRect l="50000" t="50000" r="50000" b="50000"/>
-          </a:path>
-        </a:gradFill>
-      </a:bgFillStyleLst>
-    </a:fmtScheme>
-  </a:themeElements>
-  <a:objectDefaults/>
-  <a:extraClrSchemeLst/>
+  <a:extLst>
+    <a:ext uri="{05A4C25C-085E-4340-85A3-A5531E510DB2}">
+      <thm15:themeFamily xmlns:thm15="http://schemas.microsoft.com/office/thememl/2012/main" name="Office Theme" id="{62F939B6-93AF-4DB8-9C6B-D6C7DFDC589F}" vid="{4A3C46E8-61CC-4603-A589-7422A47A8E4A}"/>
+    </a:ext>
+  </a:extLst>
 </a:theme>
 </file>